--- a/lbs signednumbers.pptx
+++ b/lbs signednumbers.pptx
@@ -5,7 +5,7 @@
     <p:sldMasterId id="2147483648" r:id="rId1"/>
   </p:sldMasterIdLst>
   <p:notesMasterIdLst>
-    <p:notesMasterId r:id="rId25"/>
+    <p:notesMasterId r:id="rId35"/>
   </p:notesMasterIdLst>
   <p:sldIdLst>
     <p:sldId id="260" r:id="rId2"/>
@@ -22,15 +22,25 @@
     <p:sldId id="270" r:id="rId13"/>
     <p:sldId id="271" r:id="rId14"/>
     <p:sldId id="276" r:id="rId15"/>
-    <p:sldId id="272" r:id="rId16"/>
-    <p:sldId id="273" r:id="rId17"/>
-    <p:sldId id="274" r:id="rId18"/>
-    <p:sldId id="275" r:id="rId19"/>
-    <p:sldId id="278" r:id="rId20"/>
-    <p:sldId id="279" r:id="rId21"/>
-    <p:sldId id="280" r:id="rId22"/>
+    <p:sldId id="283" r:id="rId16"/>
+    <p:sldId id="272" r:id="rId17"/>
+    <p:sldId id="273" r:id="rId18"/>
+    <p:sldId id="274" r:id="rId19"/>
+    <p:sldId id="275" r:id="rId20"/>
+    <p:sldId id="292" r:id="rId21"/>
+    <p:sldId id="278" r:id="rId22"/>
     <p:sldId id="281" r:id="rId23"/>
-    <p:sldId id="282" r:id="rId24"/>
+    <p:sldId id="280" r:id="rId24"/>
+    <p:sldId id="279" r:id="rId25"/>
+    <p:sldId id="285" r:id="rId26"/>
+    <p:sldId id="284" r:id="rId27"/>
+    <p:sldId id="286" r:id="rId28"/>
+    <p:sldId id="288" r:id="rId29"/>
+    <p:sldId id="289" r:id="rId30"/>
+    <p:sldId id="287" r:id="rId31"/>
+    <p:sldId id="282" r:id="rId32"/>
+    <p:sldId id="290" r:id="rId33"/>
+    <p:sldId id="291" r:id="rId34"/>
   </p:sldIdLst>
   <p:sldSz cx="9144000" cy="6858000" type="screen4x3"/>
   <p:notesSz cx="6858000" cy="9144000"/>
@@ -214,7 +224,8 @@
           <a:p>
             <a:fld id="{0A34D241-6F48-4425-90BD-852F3D613CF7}" type="datetimeFigureOut">
               <a:rPr lang="en-US" smtClean="0"/>
-              <a:t>6/23/2025</a:t>
+              <a:pPr/>
+              <a:t>6/25/2025</a:t>
             </a:fld>
             <a:endParaRPr lang="en-US"/>
           </a:p>
@@ -375,6 +386,7 @@
           <a:p>
             <a:fld id="{0CEE0D2B-1ABE-4331-8829-C3463D507CBB}" type="slidenum">
               <a:rPr lang="en-US" smtClean="0"/>
+              <a:pPr/>
               <a:t>‹#›</a:t>
             </a:fld>
             <a:endParaRPr lang="en-US"/>
@@ -660,7 +672,8 @@
           <a:p>
             <a:fld id="{75A0F6B3-FDAA-4D95-AC02-3E0DFC53244C}" type="datetimeFigureOut">
               <a:rPr lang="en-US" smtClean="0"/>
-              <a:t>6/23/2025</a:t>
+              <a:pPr/>
+              <a:t>6/25/2025</a:t>
             </a:fld>
             <a:endParaRPr lang="en-US"/>
           </a:p>
@@ -702,6 +715,7 @@
           <a:p>
             <a:fld id="{18708812-364C-4A54-BF8C-29CA0C53210F}" type="slidenum">
               <a:rPr lang="en-US" smtClean="0"/>
+              <a:pPr/>
               <a:t>‹#›</a:t>
             </a:fld>
             <a:endParaRPr lang="en-US"/>
@@ -825,7 +839,8 @@
           <a:p>
             <a:fld id="{75A0F6B3-FDAA-4D95-AC02-3E0DFC53244C}" type="datetimeFigureOut">
               <a:rPr lang="en-US" smtClean="0"/>
-              <a:t>6/23/2025</a:t>
+              <a:pPr/>
+              <a:t>6/25/2025</a:t>
             </a:fld>
             <a:endParaRPr lang="en-US"/>
           </a:p>
@@ -867,6 +882,7 @@
           <a:p>
             <a:fld id="{18708812-364C-4A54-BF8C-29CA0C53210F}" type="slidenum">
               <a:rPr lang="en-US" smtClean="0"/>
+              <a:pPr/>
               <a:t>‹#›</a:t>
             </a:fld>
             <a:endParaRPr lang="en-US"/>
@@ -1000,7 +1016,8 @@
           <a:p>
             <a:fld id="{75A0F6B3-FDAA-4D95-AC02-3E0DFC53244C}" type="datetimeFigureOut">
               <a:rPr lang="en-US" smtClean="0"/>
-              <a:t>6/23/2025</a:t>
+              <a:pPr/>
+              <a:t>6/25/2025</a:t>
             </a:fld>
             <a:endParaRPr lang="en-US"/>
           </a:p>
@@ -1042,6 +1059,7 @@
           <a:p>
             <a:fld id="{18708812-364C-4A54-BF8C-29CA0C53210F}" type="slidenum">
               <a:rPr lang="en-US" smtClean="0"/>
+              <a:pPr/>
               <a:t>‹#›</a:t>
             </a:fld>
             <a:endParaRPr lang="en-US"/>
@@ -1165,7 +1183,8 @@
           <a:p>
             <a:fld id="{75A0F6B3-FDAA-4D95-AC02-3E0DFC53244C}" type="datetimeFigureOut">
               <a:rPr lang="en-US" smtClean="0"/>
-              <a:t>6/23/2025</a:t>
+              <a:pPr/>
+              <a:t>6/25/2025</a:t>
             </a:fld>
             <a:endParaRPr lang="en-US"/>
           </a:p>
@@ -1207,6 +1226,7 @@
           <a:p>
             <a:fld id="{18708812-364C-4A54-BF8C-29CA0C53210F}" type="slidenum">
               <a:rPr lang="en-US" smtClean="0"/>
+              <a:pPr/>
               <a:t>‹#›</a:t>
             </a:fld>
             <a:endParaRPr lang="en-US"/>
@@ -1406,7 +1426,8 @@
           <a:p>
             <a:fld id="{75A0F6B3-FDAA-4D95-AC02-3E0DFC53244C}" type="datetimeFigureOut">
               <a:rPr lang="en-US" smtClean="0"/>
-              <a:t>6/23/2025</a:t>
+              <a:pPr/>
+              <a:t>6/25/2025</a:t>
             </a:fld>
             <a:endParaRPr lang="en-US"/>
           </a:p>
@@ -1448,6 +1469,7 @@
           <a:p>
             <a:fld id="{18708812-364C-4A54-BF8C-29CA0C53210F}" type="slidenum">
               <a:rPr lang="en-US" smtClean="0"/>
+              <a:pPr/>
               <a:t>‹#›</a:t>
             </a:fld>
             <a:endParaRPr lang="en-US"/>
@@ -1689,7 +1711,8 @@
           <a:p>
             <a:fld id="{75A0F6B3-FDAA-4D95-AC02-3E0DFC53244C}" type="datetimeFigureOut">
               <a:rPr lang="en-US" smtClean="0"/>
-              <a:t>6/23/2025</a:t>
+              <a:pPr/>
+              <a:t>6/25/2025</a:t>
             </a:fld>
             <a:endParaRPr lang="en-US"/>
           </a:p>
@@ -1731,6 +1754,7 @@
           <a:p>
             <a:fld id="{18708812-364C-4A54-BF8C-29CA0C53210F}" type="slidenum">
               <a:rPr lang="en-US" smtClean="0"/>
+              <a:pPr/>
               <a:t>‹#›</a:t>
             </a:fld>
             <a:endParaRPr lang="en-US"/>
@@ -2106,7 +2130,8 @@
           <a:p>
             <a:fld id="{75A0F6B3-FDAA-4D95-AC02-3E0DFC53244C}" type="datetimeFigureOut">
               <a:rPr lang="en-US" smtClean="0"/>
-              <a:t>6/23/2025</a:t>
+              <a:pPr/>
+              <a:t>6/25/2025</a:t>
             </a:fld>
             <a:endParaRPr lang="en-US"/>
           </a:p>
@@ -2148,6 +2173,7 @@
           <a:p>
             <a:fld id="{18708812-364C-4A54-BF8C-29CA0C53210F}" type="slidenum">
               <a:rPr lang="en-US" smtClean="0"/>
+              <a:pPr/>
               <a:t>‹#›</a:t>
             </a:fld>
             <a:endParaRPr lang="en-US"/>
@@ -2219,7 +2245,8 @@
           <a:p>
             <a:fld id="{75A0F6B3-FDAA-4D95-AC02-3E0DFC53244C}" type="datetimeFigureOut">
               <a:rPr lang="en-US" smtClean="0"/>
-              <a:t>6/23/2025</a:t>
+              <a:pPr/>
+              <a:t>6/25/2025</a:t>
             </a:fld>
             <a:endParaRPr lang="en-US"/>
           </a:p>
@@ -2261,6 +2288,7 @@
           <a:p>
             <a:fld id="{18708812-364C-4A54-BF8C-29CA0C53210F}" type="slidenum">
               <a:rPr lang="en-US" smtClean="0"/>
+              <a:pPr/>
               <a:t>‹#›</a:t>
             </a:fld>
             <a:endParaRPr lang="en-US"/>
@@ -2309,7 +2337,8 @@
           <a:p>
             <a:fld id="{75A0F6B3-FDAA-4D95-AC02-3E0DFC53244C}" type="datetimeFigureOut">
               <a:rPr lang="en-US" smtClean="0"/>
-              <a:t>6/23/2025</a:t>
+              <a:pPr/>
+              <a:t>6/25/2025</a:t>
             </a:fld>
             <a:endParaRPr lang="en-US"/>
           </a:p>
@@ -2351,6 +2380,7 @@
           <a:p>
             <a:fld id="{18708812-364C-4A54-BF8C-29CA0C53210F}" type="slidenum">
               <a:rPr lang="en-US" smtClean="0"/>
+              <a:pPr/>
               <a:t>‹#›</a:t>
             </a:fld>
             <a:endParaRPr lang="en-US"/>
@@ -2581,7 +2611,8 @@
           <a:p>
             <a:fld id="{75A0F6B3-FDAA-4D95-AC02-3E0DFC53244C}" type="datetimeFigureOut">
               <a:rPr lang="en-US" smtClean="0"/>
-              <a:t>6/23/2025</a:t>
+              <a:pPr/>
+              <a:t>6/25/2025</a:t>
             </a:fld>
             <a:endParaRPr lang="en-US"/>
           </a:p>
@@ -2623,6 +2654,7 @@
           <a:p>
             <a:fld id="{18708812-364C-4A54-BF8C-29CA0C53210F}" type="slidenum">
               <a:rPr lang="en-US" smtClean="0"/>
+              <a:pPr/>
               <a:t>‹#›</a:t>
             </a:fld>
             <a:endParaRPr lang="en-US"/>
@@ -2829,7 +2861,8 @@
           <a:p>
             <a:fld id="{75A0F6B3-FDAA-4D95-AC02-3E0DFC53244C}" type="datetimeFigureOut">
               <a:rPr lang="en-US" smtClean="0"/>
-              <a:t>6/23/2025</a:t>
+              <a:pPr/>
+              <a:t>6/25/2025</a:t>
             </a:fld>
             <a:endParaRPr lang="en-US"/>
           </a:p>
@@ -2871,6 +2904,7 @@
           <a:p>
             <a:fld id="{18708812-364C-4A54-BF8C-29CA0C53210F}" type="slidenum">
               <a:rPr lang="en-US" smtClean="0"/>
+              <a:pPr/>
               <a:t>‹#›</a:t>
             </a:fld>
             <a:endParaRPr lang="en-US"/>
@@ -3037,7 +3071,8 @@
           <a:p>
             <a:fld id="{75A0F6B3-FDAA-4D95-AC02-3E0DFC53244C}" type="datetimeFigureOut">
               <a:rPr lang="en-US" smtClean="0"/>
-              <a:t>6/23/2025</a:t>
+              <a:pPr/>
+              <a:t>6/25/2025</a:t>
             </a:fld>
             <a:endParaRPr lang="en-US"/>
           </a:p>
@@ -3115,6 +3150,7 @@
           <a:p>
             <a:fld id="{18708812-364C-4A54-BF8C-29CA0C53210F}" type="slidenum">
               <a:rPr lang="en-US" smtClean="0"/>
+              <a:pPr/>
               <a:t>‹#›</a:t>
             </a:fld>
             <a:endParaRPr lang="en-US"/>
@@ -4973,6 +5009,64 @@
       </p:grpSpPr>
       <p:pic>
         <p:nvPicPr>
+          <p:cNvPr id="1026" name="Picture 2"/>
+          <p:cNvPicPr>
+            <a:picLocks noChangeAspect="1" noChangeArrowheads="1"/>
+          </p:cNvPicPr>
+          <p:nvPr/>
+        </p:nvPicPr>
+        <p:blipFill>
+          <a:blip r:embed="rId2"/>
+          <a:srcRect/>
+          <a:stretch>
+            <a:fillRect/>
+          </a:stretch>
+        </p:blipFill>
+        <p:spPr bwMode="auto">
+          <a:xfrm>
+            <a:off x="762000" y="381000"/>
+            <a:ext cx="7391400" cy="4981575"/>
+          </a:xfrm>
+          <a:prstGeom prst="rect">
+            <a:avLst/>
+          </a:prstGeom>
+          <a:noFill/>
+          <a:ln w="9525">
+            <a:noFill/>
+            <a:miter lim="800000"/>
+            <a:headEnd/>
+            <a:tailEnd/>
+          </a:ln>
+          <a:effectLst/>
+        </p:spPr>
+      </p:pic>
+    </p:spTree>
+  </p:cSld>
+  <p:clrMapOvr>
+    <a:masterClrMapping/>
+  </p:clrMapOvr>
+</p:sld>
+</file>
+
+<file path=ppt/slides/slide16.xml><?xml version="1.0" encoding="utf-8"?>
+<p:sld xmlns:a="http://schemas.openxmlformats.org/drawingml/2006/main" xmlns:r="http://schemas.openxmlformats.org/officeDocument/2006/relationships" xmlns:p="http://schemas.openxmlformats.org/presentationml/2006/main">
+  <p:cSld>
+    <p:spTree>
+      <p:nvGrpSpPr>
+        <p:cNvPr id="1" name=""/>
+        <p:cNvGrpSpPr/>
+        <p:nvPr/>
+      </p:nvGrpSpPr>
+      <p:grpSpPr>
+        <a:xfrm>
+          <a:off x="0" y="0"/>
+          <a:ext cx="0" cy="0"/>
+          <a:chOff x="0" y="0"/>
+          <a:chExt cx="0" cy="0"/>
+        </a:xfrm>
+      </p:grpSpPr>
+      <p:pic>
+        <p:nvPicPr>
           <p:cNvPr id="32769" name="Picture 1"/>
           <p:cNvPicPr>
             <a:picLocks noChangeAspect="1" noChangeArrowheads="1"/>
@@ -5012,7 +5106,7 @@
 </p:sld>
 </file>
 
-<file path=ppt/slides/slide16.xml><?xml version="1.0" encoding="utf-8"?>
+<file path=ppt/slides/slide17.xml><?xml version="1.0" encoding="utf-8"?>
 <p:sld xmlns:a="http://schemas.openxmlformats.org/drawingml/2006/main" xmlns:r="http://schemas.openxmlformats.org/officeDocument/2006/relationships" xmlns:p="http://schemas.openxmlformats.org/presentationml/2006/main">
   <p:cSld>
     <p:spTree>
@@ -5420,7 +5514,7 @@
 </p:sld>
 </file>
 
-<file path=ppt/slides/slide17.xml><?xml version="1.0" encoding="utf-8"?>
+<file path=ppt/slides/slide18.xml><?xml version="1.0" encoding="utf-8"?>
 <p:sld xmlns:a="http://schemas.openxmlformats.org/drawingml/2006/main" xmlns:r="http://schemas.openxmlformats.org/officeDocument/2006/relationships" xmlns:p="http://schemas.openxmlformats.org/presentationml/2006/main">
   <p:cSld>
     <p:spTree>
@@ -5755,7 +5849,7 @@
 </p:sld>
 </file>
 
-<file path=ppt/slides/slide18.xml><?xml version="1.0" encoding="utf-8"?>
+<file path=ppt/slides/slide19.xml><?xml version="1.0" encoding="utf-8"?>
 <p:sld xmlns:a="http://schemas.openxmlformats.org/drawingml/2006/main" xmlns:r="http://schemas.openxmlformats.org/officeDocument/2006/relationships" xmlns:p="http://schemas.openxmlformats.org/presentationml/2006/main">
   <p:cSld>
     <p:spTree>
@@ -6025,7 +6119,7 @@
                 <a:latin typeface="Arial" pitchFamily="34" charset="0"/>
                 <a:cs typeface="Arial" pitchFamily="34" charset="0"/>
               </a:rPr>
-              <a:t>–(2ⁿ⁻¹ – 1)</a:t>
+              <a:t>– (2ⁿ⁻¹ – 1)</a:t>
             </a:r>
             <a:r>
               <a:rPr kumimoji="0" lang="en-US" sz="2400" b="0" i="0" u="none" strike="noStrike" cap="none" normalizeH="0" baseline="0" dirty="0" smtClean="0">
@@ -6160,7 +6254,7 @@
                 <a:latin typeface="Arial Unicode MS" pitchFamily="34" charset="-128"/>
                 <a:cs typeface="Arial" pitchFamily="34" charset="0"/>
               </a:rPr>
-              <a:t>0000</a:t>
+              <a:t> 0000</a:t>
             </a:r>
             <a:r>
               <a:rPr kumimoji="0" lang="en-US" sz="2400" b="0" i="0" u="none" strike="noStrike" cap="none" normalizeH="0" baseline="0" dirty="0" smtClean="0">
@@ -6427,31 +6521,6 @@
 </p:sld>
 </file>
 
-<file path=ppt/slides/slide19.xml><?xml version="1.0" encoding="utf-8"?>
-<p:sld xmlns:a="http://schemas.openxmlformats.org/drawingml/2006/main" xmlns:r="http://schemas.openxmlformats.org/officeDocument/2006/relationships" xmlns:p="http://schemas.openxmlformats.org/presentationml/2006/main">
-  <p:cSld>
-    <p:spTree>
-      <p:nvGrpSpPr>
-        <p:cNvPr id="1" name=""/>
-        <p:cNvGrpSpPr/>
-        <p:nvPr/>
-      </p:nvGrpSpPr>
-      <p:grpSpPr>
-        <a:xfrm>
-          <a:off x="0" y="0"/>
-          <a:ext cx="0" cy="0"/>
-          <a:chOff x="0" y="0"/>
-          <a:chExt cx="0" cy="0"/>
-        </a:xfrm>
-      </p:grpSpPr>
-    </p:spTree>
-  </p:cSld>
-  <p:clrMapOvr>
-    <a:masterClrMapping/>
-  </p:clrMapOvr>
-</p:sld>
-</file>
-
 <file path=ppt/slides/slide2.xml><?xml version="1.0" encoding="utf-8"?>
 <p:sld xmlns:a="http://schemas.openxmlformats.org/drawingml/2006/main" xmlns:r="http://schemas.openxmlformats.org/officeDocument/2006/relationships" xmlns:p="http://schemas.openxmlformats.org/presentationml/2006/main">
   <p:cSld>
@@ -7106,6 +7175,39 @@
           <a:chExt cx="0" cy="0"/>
         </a:xfrm>
       </p:grpSpPr>
+      <p:pic>
+        <p:nvPicPr>
+          <p:cNvPr id="1026" name="Picture 2"/>
+          <p:cNvPicPr>
+            <a:picLocks noChangeAspect="1" noChangeArrowheads="1"/>
+          </p:cNvPicPr>
+          <p:nvPr/>
+        </p:nvPicPr>
+        <p:blipFill>
+          <a:blip r:embed="rId2"/>
+          <a:srcRect/>
+          <a:stretch>
+            <a:fillRect/>
+          </a:stretch>
+        </p:blipFill>
+        <p:spPr bwMode="auto">
+          <a:xfrm>
+            <a:off x="609600" y="381000"/>
+            <a:ext cx="7848600" cy="5486400"/>
+          </a:xfrm>
+          <a:prstGeom prst="rect">
+            <a:avLst/>
+          </a:prstGeom>
+          <a:noFill/>
+          <a:ln w="9525">
+            <a:noFill/>
+            <a:miter lim="800000"/>
+            <a:headEnd/>
+            <a:tailEnd/>
+          </a:ln>
+          <a:effectLst/>
+        </p:spPr>
+      </p:pic>
     </p:spTree>
   </p:cSld>
   <p:clrMapOvr>
@@ -7131,6 +7233,178 @@
           <a:chExt cx="0" cy="0"/>
         </a:xfrm>
       </p:grpSpPr>
+      <p:pic>
+        <p:nvPicPr>
+          <p:cNvPr id="2050" name="Picture 2"/>
+          <p:cNvPicPr>
+            <a:picLocks noChangeAspect="1" noChangeArrowheads="1"/>
+          </p:cNvPicPr>
+          <p:nvPr/>
+        </p:nvPicPr>
+        <p:blipFill>
+          <a:blip r:embed="rId2"/>
+          <a:srcRect/>
+          <a:stretch>
+            <a:fillRect/>
+          </a:stretch>
+        </p:blipFill>
+        <p:spPr bwMode="auto">
+          <a:xfrm>
+            <a:off x="685800" y="0"/>
+            <a:ext cx="7696200" cy="1524000"/>
+          </a:xfrm>
+          <a:prstGeom prst="rect">
+            <a:avLst/>
+          </a:prstGeom>
+          <a:noFill/>
+          <a:ln w="9525">
+            <a:noFill/>
+            <a:miter lim="800000"/>
+            <a:headEnd/>
+            <a:tailEnd/>
+          </a:ln>
+          <a:effectLst/>
+        </p:spPr>
+      </p:pic>
+      <p:sp>
+        <p:nvSpPr>
+          <p:cNvPr id="3" name="Rectangle 2"/>
+          <p:cNvSpPr/>
+          <p:nvPr/>
+        </p:nvSpPr>
+        <p:spPr>
+          <a:xfrm>
+            <a:off x="457200" y="1828800"/>
+            <a:ext cx="6610208" cy="461665"/>
+          </a:xfrm>
+          <a:prstGeom prst="rect">
+            <a:avLst/>
+          </a:prstGeom>
+        </p:spPr>
+        <p:txBody>
+          <a:bodyPr wrap="none">
+            <a:spAutoFit/>
+          </a:bodyPr>
+          <a:lstStyle/>
+          <a:p>
+            <a:r>
+              <a:rPr lang="en-US" sz="2400" b="1" dirty="0" smtClean="0"/>
+              <a:t>Example :Convert 20₁₀ to IEEE 754  Single Precision</a:t>
+            </a:r>
+            <a:endParaRPr lang="en-US" sz="2400" b="1" dirty="0"/>
+          </a:p>
+        </p:txBody>
+      </p:sp>
+      <p:sp>
+        <p:nvSpPr>
+          <p:cNvPr id="4" name="Rectangle 3"/>
+          <p:cNvSpPr/>
+          <p:nvPr/>
+        </p:nvSpPr>
+        <p:spPr>
+          <a:xfrm>
+            <a:off x="1143000" y="2590800"/>
+            <a:ext cx="7696200" cy="4038600"/>
+          </a:xfrm>
+          <a:prstGeom prst="rect">
+            <a:avLst/>
+          </a:prstGeom>
+        </p:spPr>
+        <p:style>
+          <a:lnRef idx="1">
+            <a:schemeClr val="accent4"/>
+          </a:lnRef>
+          <a:fillRef idx="2">
+            <a:schemeClr val="accent4"/>
+          </a:fillRef>
+          <a:effectRef idx="1">
+            <a:schemeClr val="accent4"/>
+          </a:effectRef>
+          <a:fontRef idx="minor">
+            <a:schemeClr val="dk1"/>
+          </a:fontRef>
+        </p:style>
+        <p:txBody>
+          <a:bodyPr rtlCol="0" anchor="ctr"/>
+          <a:lstStyle/>
+          <a:p>
+            <a:pPr algn="ctr"/>
+            <a:endParaRPr lang="en-US"/>
+          </a:p>
+        </p:txBody>
+      </p:sp>
+      <p:sp>
+        <p:nvSpPr>
+          <p:cNvPr id="5" name="TextBox 4"/>
+          <p:cNvSpPr txBox="1"/>
+          <p:nvPr/>
+        </p:nvSpPr>
+        <p:spPr>
+          <a:xfrm>
+            <a:off x="2514600" y="2895600"/>
+            <a:ext cx="3903376" cy="3385542"/>
+          </a:xfrm>
+          <a:prstGeom prst="rect">
+            <a:avLst/>
+          </a:prstGeom>
+          <a:noFill/>
+        </p:spPr>
+        <p:txBody>
+          <a:bodyPr wrap="none" rtlCol="0">
+            <a:spAutoFit/>
+          </a:bodyPr>
+          <a:lstStyle/>
+          <a:p>
+            <a:r>
+              <a:rPr lang="en-US" sz="2800" b="1" dirty="0" smtClean="0"/>
+              <a:t>Step 1: Convert to Binary</a:t>
+            </a:r>
+          </a:p>
+          <a:p>
+            <a:r>
+              <a:rPr lang="en-US" sz="2800" b="1" dirty="0" smtClean="0"/>
+              <a:t>Use divide by 2 method:</a:t>
+            </a:r>
+          </a:p>
+          <a:p>
+            <a:r>
+              <a:rPr lang="en-US" sz="2800" b="1" dirty="0" smtClean="0"/>
+              <a:t>20 ÷ 2 = 10 → 0 </a:t>
+            </a:r>
+          </a:p>
+          <a:p>
+            <a:r>
+              <a:rPr lang="en-US" sz="2800" b="1" dirty="0" smtClean="0"/>
+              <a:t>10 ÷ 2 = 5 → 0</a:t>
+            </a:r>
+          </a:p>
+          <a:p>
+            <a:r>
+              <a:rPr lang="en-US" sz="2800" b="1" dirty="0" smtClean="0"/>
+              <a:t>5 ÷ 2 = 2 → 1 </a:t>
+            </a:r>
+          </a:p>
+          <a:p>
+            <a:r>
+              <a:rPr lang="en-US" sz="2800" b="1" dirty="0" smtClean="0"/>
+              <a:t>2 ÷ 2 = 1 → 0</a:t>
+            </a:r>
+          </a:p>
+          <a:p>
+            <a:r>
+              <a:rPr lang="en-US" sz="2800" b="1" smtClean="0"/>
+              <a:t>1 </a:t>
+            </a:r>
+            <a:r>
+              <a:rPr lang="en-US" sz="2800" b="1" dirty="0" smtClean="0"/>
+              <a:t>÷ 2 = 0 → 1 </a:t>
+            </a:r>
+          </a:p>
+          <a:p>
+            <a:endParaRPr lang="en-US" dirty="0"/>
+          </a:p>
+        </p:txBody>
+      </p:sp>
     </p:spTree>
   </p:cSld>
   <p:clrMapOvr>
@@ -7166,7 +7440,7 @@
         </p:nvPicPr>
         <p:blipFill>
           <a:blip r:embed="rId2"/>
-          <a:srcRect/>
+          <a:srcRect b="73096"/>
           <a:stretch>
             <a:fillRect/>
           </a:stretch>
@@ -7174,7 +7448,7 @@
         <p:spPr bwMode="auto">
           <a:xfrm>
             <a:off x="838200" y="533401"/>
-            <a:ext cx="7467599" cy="4814888"/>
+            <a:ext cx="7467599" cy="1295399"/>
           </a:xfrm>
           <a:prstGeom prst="rect">
             <a:avLst/>
@@ -7189,6 +7463,70 @@
           <a:effectLst/>
         </p:spPr>
       </p:pic>
+      <p:sp>
+        <p:nvSpPr>
+          <p:cNvPr id="3" name="TextBox 2"/>
+          <p:cNvSpPr txBox="1"/>
+          <p:nvPr/>
+        </p:nvSpPr>
+        <p:spPr>
+          <a:xfrm>
+            <a:off x="1066800" y="2514600"/>
+            <a:ext cx="4495800" cy="2062103"/>
+          </a:xfrm>
+          <a:prstGeom prst="rect">
+            <a:avLst/>
+          </a:prstGeom>
+          <a:noFill/>
+        </p:spPr>
+        <p:txBody>
+          <a:bodyPr wrap="square" rtlCol="0">
+            <a:spAutoFit/>
+          </a:bodyPr>
+          <a:lstStyle/>
+          <a:p>
+            <a:pPr>
+              <a:buFont typeface="Arial" pitchFamily="34" charset="0"/>
+              <a:buChar char="•"/>
+            </a:pPr>
+            <a:r>
+              <a:rPr lang="en-US" sz="3200" b="1" dirty="0" smtClean="0"/>
+              <a:t>Addition</a:t>
+            </a:r>
+          </a:p>
+          <a:p>
+            <a:pPr>
+              <a:buFont typeface="Arial" pitchFamily="34" charset="0"/>
+              <a:buChar char="•"/>
+            </a:pPr>
+            <a:r>
+              <a:rPr lang="en-US" sz="3200" b="1" dirty="0" smtClean="0"/>
+              <a:t>Subtraction</a:t>
+            </a:r>
+          </a:p>
+          <a:p>
+            <a:pPr>
+              <a:buFont typeface="Arial" pitchFamily="34" charset="0"/>
+              <a:buChar char="•"/>
+            </a:pPr>
+            <a:r>
+              <a:rPr lang="en-US" sz="3200" b="1" dirty="0" smtClean="0"/>
+              <a:t>Multiplication</a:t>
+            </a:r>
+          </a:p>
+          <a:p>
+            <a:pPr>
+              <a:buFont typeface="Arial" pitchFamily="34" charset="0"/>
+              <a:buChar char="•"/>
+            </a:pPr>
+            <a:r>
+              <a:rPr lang="en-US" sz="3200" b="1" dirty="0" smtClean="0"/>
+              <a:t>Division</a:t>
+            </a:r>
+            <a:endParaRPr lang="en-US" sz="3200" b="1" dirty="0"/>
+          </a:p>
+        </p:txBody>
+      </p:sp>
     </p:spTree>
   </p:cSld>
   <p:clrMapOvr>
@@ -7214,9 +7552,100 @@
           <a:chExt cx="0" cy="0"/>
         </a:xfrm>
       </p:grpSpPr>
-      <p:sp>
-        <p:nvSpPr>
-          <p:cNvPr id="38913" name="Rectangle 1"/>
+      <p:pic>
+        <p:nvPicPr>
+          <p:cNvPr id="4097" name="Picture 1"/>
+          <p:cNvPicPr>
+            <a:picLocks noChangeAspect="1" noChangeArrowheads="1"/>
+          </p:cNvPicPr>
+          <p:nvPr/>
+        </p:nvPicPr>
+        <p:blipFill>
+          <a:blip r:embed="rId2"/>
+          <a:srcRect/>
+          <a:stretch>
+            <a:fillRect/>
+          </a:stretch>
+        </p:blipFill>
+        <p:spPr bwMode="auto">
+          <a:xfrm>
+            <a:off x="228600" y="228600"/>
+            <a:ext cx="6324600" cy="3276599"/>
+          </a:xfrm>
+          <a:prstGeom prst="rect">
+            <a:avLst/>
+          </a:prstGeom>
+          <a:noFill/>
+          <a:ln w="9525">
+            <a:noFill/>
+            <a:miter lim="800000"/>
+            <a:headEnd/>
+            <a:tailEnd/>
+          </a:ln>
+          <a:effectLst/>
+        </p:spPr>
+      </p:pic>
+      <p:pic>
+        <p:nvPicPr>
+          <p:cNvPr id="4098" name="Picture 2"/>
+          <p:cNvPicPr>
+            <a:picLocks noChangeAspect="1" noChangeArrowheads="1"/>
+          </p:cNvPicPr>
+          <p:nvPr/>
+        </p:nvPicPr>
+        <p:blipFill>
+          <a:blip r:embed="rId3"/>
+          <a:srcRect/>
+          <a:stretch>
+            <a:fillRect/>
+          </a:stretch>
+        </p:blipFill>
+        <p:spPr bwMode="auto">
+          <a:xfrm>
+            <a:off x="3200400" y="3429000"/>
+            <a:ext cx="5353050" cy="3171825"/>
+          </a:xfrm>
+          <a:prstGeom prst="rect">
+            <a:avLst/>
+          </a:prstGeom>
+          <a:noFill/>
+          <a:ln w="9525">
+            <a:noFill/>
+            <a:miter lim="800000"/>
+            <a:headEnd/>
+            <a:tailEnd/>
+          </a:ln>
+          <a:effectLst/>
+        </p:spPr>
+      </p:pic>
+    </p:spTree>
+  </p:cSld>
+  <p:clrMapOvr>
+    <a:masterClrMapping/>
+  </p:clrMapOvr>
+</p:sld>
+</file>
+
+<file path=ppt/slides/slide24.xml><?xml version="1.0" encoding="utf-8"?>
+<p:sld xmlns:a="http://schemas.openxmlformats.org/drawingml/2006/main" xmlns:r="http://schemas.openxmlformats.org/officeDocument/2006/relationships" xmlns:p="http://schemas.openxmlformats.org/presentationml/2006/main">
+  <p:cSld>
+    <p:spTree>
+      <p:nvGrpSpPr>
+        <p:cNvPr id="1" name=""/>
+        <p:cNvGrpSpPr/>
+        <p:nvPr/>
+      </p:nvGrpSpPr>
+      <p:grpSpPr>
+        <a:xfrm>
+          <a:off x="0" y="0"/>
+          <a:ext cx="0" cy="0"/>
+          <a:chOff x="0" y="0"/>
+          <a:chExt cx="0" cy="0"/>
+        </a:xfrm>
+      </p:grpSpPr>
+      <p:sp>
+        <p:nvSpPr>
+          <p:cNvPr id="5121" name="Rectangle 1"/>
           <p:cNvSpPr>
             <a:spLocks noChangeArrowheads="1"/>
           </p:cNvSpPr>
@@ -7224,8 +7653,8 @@
         </p:nvSpPr>
         <p:spPr bwMode="auto">
           <a:xfrm>
-            <a:off x="0" y="685800"/>
-            <a:ext cx="6934200" cy="2800767"/>
+            <a:off x="0" y="228600"/>
+            <a:ext cx="9144000" cy="1938992"/>
           </a:xfrm>
           <a:prstGeom prst="rect">
             <a:avLst/>
@@ -7265,7 +7694,7 @@
               <a:tabLst/>
             </a:pPr>
             <a:r>
-              <a:rPr kumimoji="0" lang="en-US" sz="1200" b="1" i="0" u="none" strike="noStrike" cap="none" normalizeH="0" baseline="0" dirty="0" smtClean="0">
+              <a:rPr kumimoji="0" lang="en-US" sz="2800" b="1" i="0" u="none" strike="noStrike" cap="none" normalizeH="0" baseline="0" dirty="0" smtClean="0">
                 <a:ln>
                   <a:noFill/>
                 </a:ln>
@@ -7273,11 +7702,42 @@
                   <a:schemeClr val="tx1"/>
                 </a:solidFill>
                 <a:effectLst/>
-                <a:latin typeface="Arial" pitchFamily="34" charset="0"/>
-                <a:cs typeface="Arial" pitchFamily="34" charset="0"/>
+                <a:latin typeface="Tahoma" pitchFamily="34" charset="0"/>
+                <a:ea typeface="Tahoma" pitchFamily="34" charset="0"/>
+                <a:cs typeface="Tahoma" pitchFamily="34" charset="0"/>
               </a:rPr>
-              <a:t>Addition</a:t>
-            </a:r>
+              <a:t>Addition of Signed Numbers</a:t>
+            </a:r>
+          </a:p>
+          <a:p>
+            <a:pPr marL="0" marR="0" lvl="0" indent="0" algn="l" defTabSz="914400" rtl="0" eaLnBrk="1" fontAlgn="base" latinLnBrk="0" hangingPunct="1">
+              <a:lnSpc>
+                <a:spcPct val="100000"/>
+              </a:lnSpc>
+              <a:spcBef>
+                <a:spcPct val="0"/>
+              </a:spcBef>
+              <a:spcAft>
+                <a:spcPct val="0"/>
+              </a:spcAft>
+              <a:buClrTx/>
+              <a:buSzTx/>
+              <a:buFontTx/>
+              <a:buNone/>
+              <a:tabLst/>
+            </a:pPr>
+            <a:endParaRPr kumimoji="0" lang="en-US" sz="2000" b="1" i="0" u="none" strike="noStrike" cap="none" normalizeH="0" baseline="0" dirty="0" smtClean="0">
+              <a:ln>
+                <a:noFill/>
+              </a:ln>
+              <a:solidFill>
+                <a:schemeClr val="tx1"/>
+              </a:solidFill>
+              <a:effectLst/>
+              <a:latin typeface="Tahoma" pitchFamily="34" charset="0"/>
+              <a:ea typeface="Tahoma" pitchFamily="34" charset="0"/>
+              <a:cs typeface="Tahoma" pitchFamily="34" charset="0"/>
+            </a:endParaRPr>
           </a:p>
           <a:p>
             <a:pPr marL="0" marR="0" lvl="0" indent="0" algn="l" defTabSz="914400" rtl="0" eaLnBrk="0" fontAlgn="base" latinLnBrk="0" hangingPunct="0">
@@ -7297,7 +7757,7 @@
               <a:tabLst/>
             </a:pPr>
             <a:r>
-              <a:rPr kumimoji="0" lang="en-US" sz="1100" b="1" i="0" u="none" strike="noStrike" cap="none" normalizeH="0" baseline="0" dirty="0" smtClean="0">
+              <a:rPr kumimoji="0" lang="en-US" sz="2400" b="0" i="0" u="none" strike="noStrike" cap="none" normalizeH="0" baseline="0" dirty="0" smtClean="0">
                 <a:ln>
                   <a:noFill/>
                 </a:ln>
@@ -7305,13 +7765,14 @@
                   <a:schemeClr val="tx1"/>
                 </a:solidFill>
                 <a:effectLst/>
-                <a:latin typeface="Arial" pitchFamily="34" charset="0"/>
-                <a:cs typeface="Arial" pitchFamily="34" charset="0"/>
+                <a:latin typeface="Tahoma" pitchFamily="34" charset="0"/>
+                <a:ea typeface="Tahoma" pitchFamily="34" charset="0"/>
+                <a:cs typeface="Tahoma" pitchFamily="34" charset="0"/>
               </a:rPr>
-              <a:t>Rule:</a:t>
-            </a:r>
-            <a:r>
-              <a:rPr kumimoji="0" lang="en-US" sz="3200" b="0" i="0" u="none" strike="noStrike" cap="none" normalizeH="0" baseline="0" dirty="0" smtClean="0">
+              <a:t>Let’s use </a:t>
+            </a:r>
+            <a:r>
+              <a:rPr kumimoji="0" lang="en-US" sz="2400" b="1" i="0" u="none" strike="noStrike" cap="none" normalizeH="0" baseline="0" dirty="0" smtClean="0">
                 <a:ln>
                   <a:noFill/>
                 </a:ln>
@@ -7319,13 +7780,14 @@
                   <a:schemeClr val="tx1"/>
                 </a:solidFill>
                 <a:effectLst/>
-                <a:latin typeface="Arial" pitchFamily="34" charset="0"/>
-                <a:cs typeface="Arial" pitchFamily="34" charset="0"/>
+                <a:latin typeface="Tahoma" pitchFamily="34" charset="0"/>
+                <a:ea typeface="Tahoma" pitchFamily="34" charset="0"/>
+                <a:cs typeface="Tahoma" pitchFamily="34" charset="0"/>
               </a:rPr>
-              <a:t> Add normally. If there is a carry out of the MSB, </a:t>
-            </a:r>
-            <a:r>
-              <a:rPr kumimoji="0" lang="en-US" sz="3200" b="1" i="0" u="none" strike="noStrike" cap="none" normalizeH="0" baseline="0" dirty="0" smtClean="0">
+              <a:t>2's complement</a:t>
+            </a:r>
+            <a:r>
+              <a:rPr kumimoji="0" lang="en-US" sz="2400" b="0" i="0" u="none" strike="noStrike" cap="none" normalizeH="0" baseline="0" dirty="0" smtClean="0">
                 <a:ln>
                   <a:noFill/>
                 </a:ln>
@@ -7333,24 +7795,11 @@
                   <a:schemeClr val="tx1"/>
                 </a:solidFill>
                 <a:effectLst/>
-                <a:latin typeface="Arial" pitchFamily="34" charset="0"/>
-                <a:cs typeface="Arial" pitchFamily="34" charset="0"/>
+                <a:latin typeface="Tahoma" pitchFamily="34" charset="0"/>
+                <a:ea typeface="Tahoma" pitchFamily="34" charset="0"/>
+                <a:cs typeface="Tahoma" pitchFamily="34" charset="0"/>
               </a:rPr>
-              <a:t>ignore it</a:t>
-            </a:r>
-            <a:r>
-              <a:rPr kumimoji="0" lang="en-US" sz="3200" b="0" i="0" u="none" strike="noStrike" cap="none" normalizeH="0" baseline="0" dirty="0" smtClean="0">
-                <a:ln>
-                  <a:noFill/>
-                </a:ln>
-                <a:solidFill>
-                  <a:schemeClr val="tx1"/>
-                </a:solidFill>
-                <a:effectLst/>
-                <a:latin typeface="Arial" pitchFamily="34" charset="0"/>
-                <a:cs typeface="Arial" pitchFamily="34" charset="0"/>
-              </a:rPr>
-              <a:t>.</a:t>
+              <a:t> (most common method in computers)</a:t>
             </a:r>
           </a:p>
           <a:p>
@@ -7370,35 +7819,7 @@
               <a:buNone/>
               <a:tabLst/>
             </a:pPr>
-            <a:r>
-              <a:rPr kumimoji="0" lang="en-US" sz="3200" b="0" i="0" u="none" strike="noStrike" cap="none" normalizeH="0" baseline="0" dirty="0" smtClean="0">
-                <a:ln>
-                  <a:noFill/>
-                </a:ln>
-                <a:solidFill>
-                  <a:schemeClr val="tx1"/>
-                </a:solidFill>
-                <a:effectLst/>
-                <a:latin typeface="Arial" pitchFamily="34" charset="0"/>
-                <a:cs typeface="Arial" pitchFamily="34" charset="0"/>
-              </a:rPr>
-              <a:t>🔹 </a:t>
-            </a:r>
-            <a:r>
-              <a:rPr kumimoji="0" lang="en-US" sz="3200" b="1" i="0" u="none" strike="noStrike" cap="none" normalizeH="0" baseline="0" dirty="0" smtClean="0">
-                <a:ln>
-                  <a:noFill/>
-                </a:ln>
-                <a:solidFill>
-                  <a:schemeClr val="tx1"/>
-                </a:solidFill>
-                <a:effectLst/>
-                <a:latin typeface="Arial" pitchFamily="34" charset="0"/>
-                <a:cs typeface="Arial" pitchFamily="34" charset="0"/>
-              </a:rPr>
-              <a:t>Example: (+5) + (–3)</a:t>
-            </a:r>
-            <a:endParaRPr kumimoji="0" lang="en-US" sz="3200" b="0" i="0" u="none" strike="noStrike" cap="none" normalizeH="0" baseline="0" dirty="0" smtClean="0">
+            <a:endParaRPr kumimoji="0" lang="en-US" sz="2400" b="0" i="0" u="none" strike="noStrike" cap="none" normalizeH="0" baseline="0" dirty="0" smtClean="0">
               <a:ln>
                 <a:noFill/>
               </a:ln>
@@ -7406,126 +7827,10 @@
                 <a:schemeClr val="tx1"/>
               </a:solidFill>
               <a:effectLst/>
-              <a:latin typeface="Arial" pitchFamily="34" charset="0"/>
-              <a:cs typeface="Arial" pitchFamily="34" charset="0"/>
+              <a:latin typeface="Tahoma" pitchFamily="34" charset="0"/>
+              <a:ea typeface="Tahoma" pitchFamily="34" charset="0"/>
+              <a:cs typeface="Tahoma" pitchFamily="34" charset="0"/>
             </a:endParaRPr>
-          </a:p>
-          <a:p>
-            <a:pPr marL="0" marR="0" lvl="0" indent="0" algn="l" defTabSz="914400" rtl="0" eaLnBrk="0" fontAlgn="base" latinLnBrk="0" hangingPunct="0">
-              <a:lnSpc>
-                <a:spcPct val="100000"/>
-              </a:lnSpc>
-              <a:spcBef>
-                <a:spcPct val="0"/>
-              </a:spcBef>
-              <a:spcAft>
-                <a:spcPct val="0"/>
-              </a:spcAft>
-              <a:buClrTx/>
-              <a:buSzTx/>
-              <a:buFontTx/>
-              <a:buChar char="•"/>
-              <a:tabLst/>
-            </a:pPr>
-            <a:r>
-              <a:rPr kumimoji="0" lang="en-US" sz="3200" b="0" i="0" u="none" strike="noStrike" cap="none" normalizeH="0" baseline="0" dirty="0" smtClean="0">
-                <a:ln>
-                  <a:noFill/>
-                </a:ln>
-                <a:solidFill>
-                  <a:schemeClr val="tx1"/>
-                </a:solidFill>
-                <a:effectLst/>
-                <a:latin typeface="Arial" pitchFamily="34" charset="0"/>
-                <a:cs typeface="Arial" pitchFamily="34" charset="0"/>
-              </a:rPr>
-              <a:t>+5 → </a:t>
-            </a:r>
-            <a:r>
-              <a:rPr kumimoji="0" lang="en-US" sz="1600" b="1" i="0" u="none" strike="noStrike" cap="none" normalizeH="0" baseline="0" dirty="0" smtClean="0">
-                <a:ln>
-                  <a:noFill/>
-                </a:ln>
-                <a:solidFill>
-                  <a:schemeClr val="tx1"/>
-                </a:solidFill>
-                <a:effectLst/>
-                <a:latin typeface="Arial Unicode MS" pitchFamily="34" charset="-128"/>
-                <a:cs typeface="Arial" pitchFamily="34" charset="0"/>
-              </a:rPr>
-              <a:t>0101</a:t>
-            </a:r>
-            <a:endParaRPr kumimoji="0" lang="en-US" sz="1600" b="1" i="0" u="none" strike="noStrike" cap="none" normalizeH="0" baseline="0" dirty="0" smtClean="0">
-              <a:ln>
-                <a:noFill/>
-              </a:ln>
-              <a:solidFill>
-                <a:schemeClr val="tx1"/>
-              </a:solidFill>
-              <a:effectLst/>
-              <a:latin typeface="Arial" pitchFamily="34" charset="0"/>
-              <a:cs typeface="Arial" pitchFamily="34" charset="0"/>
-            </a:endParaRPr>
-          </a:p>
-          <a:p>
-            <a:pPr marL="0" marR="0" lvl="0" indent="0" algn="l" defTabSz="914400" rtl="0" eaLnBrk="0" fontAlgn="base" latinLnBrk="0" hangingPunct="0">
-              <a:lnSpc>
-                <a:spcPct val="100000"/>
-              </a:lnSpc>
-              <a:spcBef>
-                <a:spcPct val="0"/>
-              </a:spcBef>
-              <a:spcAft>
-                <a:spcPct val="0"/>
-              </a:spcAft>
-              <a:buClrTx/>
-              <a:buSzTx/>
-              <a:buFontTx/>
-              <a:buChar char="•"/>
-              <a:tabLst/>
-            </a:pPr>
-            <a:r>
-              <a:rPr kumimoji="0" lang="en-US" sz="1600" b="1" i="0" u="none" strike="noStrike" cap="none" normalizeH="0" baseline="0" dirty="0" smtClean="0">
-                <a:ln>
-                  <a:noFill/>
-                </a:ln>
-                <a:solidFill>
-                  <a:schemeClr val="tx1"/>
-                </a:solidFill>
-                <a:effectLst/>
-                <a:latin typeface="Arial" pitchFamily="34" charset="0"/>
-                <a:cs typeface="Arial" pitchFamily="34" charset="0"/>
-              </a:rPr>
-              <a:t>–3 → </a:t>
-            </a:r>
-            <a:r>
-              <a:rPr kumimoji="0" lang="en-US" sz="1600" b="1" i="0" u="none" strike="noStrike" cap="none" normalizeH="0" baseline="0" dirty="0" smtClean="0">
-                <a:ln>
-                  <a:noFill/>
-                </a:ln>
-                <a:solidFill>
-                  <a:schemeClr val="tx1"/>
-                </a:solidFill>
-                <a:effectLst/>
-                <a:latin typeface="Arial Unicode MS" pitchFamily="34" charset="-128"/>
-                <a:cs typeface="Arial" pitchFamily="34" charset="0"/>
-              </a:rPr>
-              <a:t>1101</a:t>
-            </a:r>
-            <a:r>
-              <a:rPr kumimoji="0" lang="en-US" sz="1600" b="1" i="0" u="none" strike="noStrike" cap="none" normalizeH="0" baseline="0" dirty="0" smtClean="0">
-                <a:ln>
-                  <a:noFill/>
-                </a:ln>
-                <a:solidFill>
-                  <a:schemeClr val="tx1"/>
-                </a:solidFill>
-                <a:effectLst/>
-                <a:latin typeface="Arial" pitchFamily="34" charset="0"/>
-                <a:cs typeface="Arial" pitchFamily="34" charset="0"/>
-              </a:rPr>
-              <a:t> (2’s complement of 0011)</a:t>
-            </a:r>
           </a:p>
           <a:p>
             <a:pPr marL="0" marR="0" lvl="0" indent="0" algn="l" defTabSz="914400" rtl="0" eaLnBrk="0" fontAlgn="base" latinLnBrk="0" hangingPunct="0">
@@ -7544,7 +7849,472 @@
               <a:buNone/>
               <a:tabLst/>
             </a:pPr>
-            <a:endParaRPr kumimoji="0" lang="en-US" sz="2000" b="0" i="0" u="none" strike="noStrike" cap="none" normalizeH="0" baseline="0" dirty="0" smtClean="0">
+            <a:r>
+              <a:rPr kumimoji="0" lang="en-US" sz="2400" b="1" i="0" u="none" strike="noStrike" cap="none" normalizeH="0" baseline="0" dirty="0" smtClean="0">
+                <a:ln>
+                  <a:noFill/>
+                </a:ln>
+                <a:solidFill>
+                  <a:schemeClr val="tx1"/>
+                </a:solidFill>
+                <a:effectLst/>
+                <a:latin typeface="Tahoma" pitchFamily="34" charset="0"/>
+                <a:ea typeface="Tahoma" pitchFamily="34" charset="0"/>
+                <a:cs typeface="Tahoma" pitchFamily="34" charset="0"/>
+              </a:rPr>
+              <a:t>Problem</a:t>
+            </a:r>
+            <a:r>
+              <a:rPr kumimoji="0" lang="en-US" sz="2400" b="0" i="0" u="none" strike="noStrike" cap="none" normalizeH="0" baseline="0" dirty="0" smtClean="0">
+                <a:ln>
+                  <a:noFill/>
+                </a:ln>
+                <a:solidFill>
+                  <a:schemeClr val="tx1"/>
+                </a:solidFill>
+                <a:effectLst/>
+                <a:latin typeface="Tahoma" pitchFamily="34" charset="0"/>
+                <a:ea typeface="Tahoma" pitchFamily="34" charset="0"/>
+                <a:cs typeface="Tahoma" pitchFamily="34" charset="0"/>
+              </a:rPr>
+              <a:t>: Add +5 and -3 in 4-bit binary</a:t>
+            </a:r>
+          </a:p>
+        </p:txBody>
+      </p:sp>
+      <p:sp>
+        <p:nvSpPr>
+          <p:cNvPr id="3" name="Rectangle 2"/>
+          <p:cNvSpPr/>
+          <p:nvPr/>
+        </p:nvSpPr>
+        <p:spPr>
+          <a:xfrm>
+            <a:off x="533400" y="2133600"/>
+            <a:ext cx="8077200" cy="4495800"/>
+          </a:xfrm>
+          <a:prstGeom prst="rect">
+            <a:avLst/>
+          </a:prstGeom>
+        </p:spPr>
+        <p:style>
+          <a:lnRef idx="1">
+            <a:schemeClr val="accent3"/>
+          </a:lnRef>
+          <a:fillRef idx="2">
+            <a:schemeClr val="accent3"/>
+          </a:fillRef>
+          <a:effectRef idx="1">
+            <a:schemeClr val="accent3"/>
+          </a:effectRef>
+          <a:fontRef idx="minor">
+            <a:schemeClr val="dk1"/>
+          </a:fontRef>
+        </p:style>
+        <p:txBody>
+          <a:bodyPr rtlCol="0" anchor="ctr"/>
+          <a:lstStyle/>
+          <a:p>
+            <a:pPr algn="ctr"/>
+            <a:endParaRPr lang="en-US"/>
+          </a:p>
+        </p:txBody>
+      </p:sp>
+      <p:sp>
+        <p:nvSpPr>
+          <p:cNvPr id="4" name="TextBox 3"/>
+          <p:cNvSpPr txBox="1"/>
+          <p:nvPr/>
+        </p:nvSpPr>
+        <p:spPr>
+          <a:xfrm>
+            <a:off x="609600" y="2286000"/>
+            <a:ext cx="6019800" cy="3416320"/>
+          </a:xfrm>
+          <a:prstGeom prst="rect">
+            <a:avLst/>
+          </a:prstGeom>
+          <a:noFill/>
+        </p:spPr>
+        <p:txBody>
+          <a:bodyPr wrap="square" rtlCol="0">
+            <a:spAutoFit/>
+          </a:bodyPr>
+          <a:lstStyle/>
+          <a:p>
+            <a:r>
+              <a:rPr lang="en-US" sz="2400" b="1" dirty="0" smtClean="0"/>
+              <a:t>Represent numbers in 2's complement</a:t>
+            </a:r>
+          </a:p>
+          <a:p>
+            <a:r>
+              <a:rPr lang="en-US" sz="2800" b="1" dirty="0" smtClean="0"/>
+              <a:t>+5 = 0101</a:t>
+            </a:r>
+          </a:p>
+          <a:p>
+            <a:r>
+              <a:rPr lang="en-US" sz="2800" b="1" dirty="0" smtClean="0"/>
+              <a:t>-3:</a:t>
+            </a:r>
+          </a:p>
+          <a:p>
+            <a:pPr lvl="1"/>
+            <a:r>
+              <a:rPr lang="en-US" sz="2800" b="1" dirty="0" smtClean="0"/>
+              <a:t>3 in binary = 0011</a:t>
+            </a:r>
+          </a:p>
+          <a:p>
+            <a:pPr lvl="1"/>
+            <a:r>
+              <a:rPr lang="en-US" sz="2800" b="1" dirty="0" smtClean="0"/>
+              <a:t>1’s complement = 1100</a:t>
+            </a:r>
+          </a:p>
+          <a:p>
+            <a:pPr lvl="1"/>
+            <a:r>
+              <a:rPr lang="en-US" sz="2800" b="1" dirty="0" smtClean="0"/>
+              <a:t>2’s complement = 1101 </a:t>
+            </a:r>
+          </a:p>
+          <a:p>
+            <a:pPr lvl="1"/>
+            <a:r>
+              <a:rPr lang="en-US" sz="2800" b="1" dirty="0" smtClean="0"/>
+              <a:t>                                (this is -3)</a:t>
+            </a:r>
+          </a:p>
+          <a:p>
+            <a:endParaRPr lang="en-US" sz="2400" b="1" dirty="0"/>
+          </a:p>
+        </p:txBody>
+      </p:sp>
+      <p:sp>
+        <p:nvSpPr>
+          <p:cNvPr id="5" name="TextBox 4"/>
+          <p:cNvSpPr txBox="1"/>
+          <p:nvPr/>
+        </p:nvSpPr>
+        <p:spPr>
+          <a:xfrm>
+            <a:off x="5943600" y="3810000"/>
+            <a:ext cx="2514600" cy="2554545"/>
+          </a:xfrm>
+          <a:prstGeom prst="rect">
+            <a:avLst/>
+          </a:prstGeom>
+          <a:noFill/>
+        </p:spPr>
+        <p:txBody>
+          <a:bodyPr wrap="square" rtlCol="0">
+            <a:spAutoFit/>
+          </a:bodyPr>
+          <a:lstStyle/>
+          <a:p>
+            <a:pPr marL="514350" indent="-514350"/>
+            <a:r>
+              <a:rPr lang="en-US" sz="3200" b="1" dirty="0" smtClean="0"/>
+              <a:t>0101  (+5)</a:t>
+            </a:r>
+          </a:p>
+          <a:p>
+            <a:pPr marL="514350" indent="-514350"/>
+            <a:r>
+              <a:rPr lang="en-US" sz="3200" b="1" dirty="0" smtClean="0"/>
+              <a:t>                  +     </a:t>
+            </a:r>
+          </a:p>
+          <a:p>
+            <a:r>
+              <a:rPr lang="en-US" sz="3200" b="1" dirty="0" smtClean="0"/>
+              <a:t>1101  (-3)</a:t>
+            </a:r>
+          </a:p>
+          <a:p>
+            <a:r>
+              <a:rPr lang="en-US" sz="3200" b="1" dirty="0" smtClean="0"/>
+              <a:t>--------</a:t>
+            </a:r>
+          </a:p>
+          <a:p>
+            <a:r>
+              <a:rPr lang="en-US" sz="3200" b="1" dirty="0" smtClean="0"/>
+              <a:t>10010</a:t>
+            </a:r>
+            <a:endParaRPr lang="en-US" sz="3200" b="1" dirty="0"/>
+          </a:p>
+        </p:txBody>
+      </p:sp>
+      <p:sp>
+        <p:nvSpPr>
+          <p:cNvPr id="6" name="TextBox 5"/>
+          <p:cNvSpPr txBox="1"/>
+          <p:nvPr/>
+        </p:nvSpPr>
+        <p:spPr>
+          <a:xfrm>
+            <a:off x="2514600" y="5715000"/>
+            <a:ext cx="2710550" cy="523220"/>
+          </a:xfrm>
+          <a:prstGeom prst="rect">
+            <a:avLst/>
+          </a:prstGeom>
+          <a:noFill/>
+        </p:spPr>
+        <p:txBody>
+          <a:bodyPr wrap="none" rtlCol="0">
+            <a:spAutoFit/>
+          </a:bodyPr>
+          <a:lstStyle/>
+          <a:p>
+            <a:r>
+              <a:rPr lang="en-US" sz="2800" b="1" dirty="0" smtClean="0"/>
+              <a:t>Result = 0010 = 2</a:t>
+            </a:r>
+            <a:endParaRPr lang="en-US" sz="2800" b="1" dirty="0"/>
+          </a:p>
+        </p:txBody>
+      </p:sp>
+      <p:sp>
+        <p:nvSpPr>
+          <p:cNvPr id="7" name="Right Arrow 6"/>
+          <p:cNvSpPr/>
+          <p:nvPr/>
+        </p:nvSpPr>
+        <p:spPr>
+          <a:xfrm>
+            <a:off x="5334000" y="5943600"/>
+            <a:ext cx="609600" cy="152400"/>
+          </a:xfrm>
+          <a:prstGeom prst="rightArrow">
+            <a:avLst/>
+          </a:prstGeom>
+        </p:spPr>
+        <p:style>
+          <a:lnRef idx="0">
+            <a:schemeClr val="accent2"/>
+          </a:lnRef>
+          <a:fillRef idx="3">
+            <a:schemeClr val="accent2"/>
+          </a:fillRef>
+          <a:effectRef idx="3">
+            <a:schemeClr val="accent2"/>
+          </a:effectRef>
+          <a:fontRef idx="minor">
+            <a:schemeClr val="lt1"/>
+          </a:fontRef>
+        </p:style>
+        <p:txBody>
+          <a:bodyPr rtlCol="0" anchor="ctr"/>
+          <a:lstStyle/>
+          <a:p>
+            <a:pPr algn="ctr"/>
+            <a:endParaRPr lang="en-US"/>
+          </a:p>
+        </p:txBody>
+      </p:sp>
+    </p:spTree>
+  </p:cSld>
+  <p:clrMapOvr>
+    <a:masterClrMapping/>
+  </p:clrMapOvr>
+</p:sld>
+</file>
+
+<file path=ppt/slides/slide25.xml><?xml version="1.0" encoding="utf-8"?>
+<p:sld xmlns:a="http://schemas.openxmlformats.org/drawingml/2006/main" xmlns:r="http://schemas.openxmlformats.org/officeDocument/2006/relationships" xmlns:p="http://schemas.openxmlformats.org/presentationml/2006/main">
+  <p:cSld>
+    <p:spTree>
+      <p:nvGrpSpPr>
+        <p:cNvPr id="1" name=""/>
+        <p:cNvGrpSpPr/>
+        <p:nvPr/>
+      </p:nvGrpSpPr>
+      <p:grpSpPr>
+        <a:xfrm>
+          <a:off x="0" y="0"/>
+          <a:ext cx="0" cy="0"/>
+          <a:chOff x="0" y="0"/>
+          <a:chExt cx="0" cy="0"/>
+        </a:xfrm>
+      </p:grpSpPr>
+      <p:pic>
+        <p:nvPicPr>
+          <p:cNvPr id="40961" name="Picture 1"/>
+          <p:cNvPicPr>
+            <a:picLocks noChangeAspect="1" noChangeArrowheads="1"/>
+          </p:cNvPicPr>
+          <p:nvPr/>
+        </p:nvPicPr>
+        <p:blipFill>
+          <a:blip r:embed="rId2"/>
+          <a:srcRect/>
+          <a:stretch>
+            <a:fillRect/>
+          </a:stretch>
+        </p:blipFill>
+        <p:spPr bwMode="auto">
+          <a:xfrm>
+            <a:off x="0" y="304800"/>
+            <a:ext cx="6629400" cy="3810000"/>
+          </a:xfrm>
+          <a:prstGeom prst="rect">
+            <a:avLst/>
+          </a:prstGeom>
+          <a:noFill/>
+          <a:ln w="9525">
+            <a:noFill/>
+            <a:miter lim="800000"/>
+            <a:headEnd/>
+            <a:tailEnd/>
+          </a:ln>
+          <a:effectLst/>
+        </p:spPr>
+      </p:pic>
+      <p:pic>
+        <p:nvPicPr>
+          <p:cNvPr id="40962" name="Picture 2"/>
+          <p:cNvPicPr>
+            <a:picLocks noChangeAspect="1" noChangeArrowheads="1"/>
+          </p:cNvPicPr>
+          <p:nvPr/>
+        </p:nvPicPr>
+        <p:blipFill>
+          <a:blip r:embed="rId3"/>
+          <a:srcRect/>
+          <a:stretch>
+            <a:fillRect/>
+          </a:stretch>
+        </p:blipFill>
+        <p:spPr bwMode="auto">
+          <a:xfrm>
+            <a:off x="4114801" y="4038600"/>
+            <a:ext cx="4343399" cy="2819400"/>
+          </a:xfrm>
+          <a:prstGeom prst="rect">
+            <a:avLst/>
+          </a:prstGeom>
+          <a:noFill/>
+          <a:ln w="9525">
+            <a:noFill/>
+            <a:miter lim="800000"/>
+            <a:headEnd/>
+            <a:tailEnd/>
+          </a:ln>
+          <a:effectLst/>
+        </p:spPr>
+      </p:pic>
+    </p:spTree>
+  </p:cSld>
+  <p:clrMapOvr>
+    <a:masterClrMapping/>
+  </p:clrMapOvr>
+</p:sld>
+</file>
+
+<file path=ppt/slides/slide26.xml><?xml version="1.0" encoding="utf-8"?>
+<p:sld xmlns:a="http://schemas.openxmlformats.org/drawingml/2006/main" xmlns:r="http://schemas.openxmlformats.org/officeDocument/2006/relationships" xmlns:p="http://schemas.openxmlformats.org/presentationml/2006/main">
+  <p:cSld>
+    <p:spTree>
+      <p:nvGrpSpPr>
+        <p:cNvPr id="1" name=""/>
+        <p:cNvGrpSpPr/>
+        <p:nvPr/>
+      </p:nvGrpSpPr>
+      <p:grpSpPr>
+        <a:xfrm>
+          <a:off x="0" y="0"/>
+          <a:ext cx="0" cy="0"/>
+          <a:chOff x="0" y="0"/>
+          <a:chExt cx="0" cy="0"/>
+        </a:xfrm>
+      </p:grpSpPr>
+      <p:sp>
+        <p:nvSpPr>
+          <p:cNvPr id="41985" name="Rectangle 1"/>
+          <p:cNvSpPr>
+            <a:spLocks noChangeArrowheads="1"/>
+          </p:cNvSpPr>
+          <p:nvPr/>
+        </p:nvSpPr>
+        <p:spPr bwMode="auto">
+          <a:xfrm>
+            <a:off x="0" y="0"/>
+            <a:ext cx="7315200" cy="1384995"/>
+          </a:xfrm>
+          <a:prstGeom prst="rect">
+            <a:avLst/>
+          </a:prstGeom>
+          <a:noFill/>
+          <a:ln w="9525">
+            <a:noFill/>
+            <a:miter lim="800000"/>
+            <a:headEnd/>
+            <a:tailEnd/>
+          </a:ln>
+          <a:effectLst/>
+        </p:spPr>
+        <p:txBody>
+          <a:bodyPr vert="horz" wrap="square" lIns="91440" tIns="45720" rIns="91440" bIns="45720" numCol="1" anchor="ctr" anchorCtr="0" compatLnSpc="1">
+            <a:prstTxWarp prst="textNoShape">
+              <a:avLst/>
+            </a:prstTxWarp>
+            <a:spAutoFit/>
+          </a:bodyPr>
+          <a:lstStyle/>
+          <a:p>
+            <a:pPr marL="0" marR="0" lvl="0" indent="0" algn="l" defTabSz="914400" rtl="0" eaLnBrk="1" fontAlgn="base" latinLnBrk="0" hangingPunct="1">
+              <a:lnSpc>
+                <a:spcPct val="100000"/>
+              </a:lnSpc>
+              <a:spcBef>
+                <a:spcPct val="0"/>
+              </a:spcBef>
+              <a:spcAft>
+                <a:spcPct val="0"/>
+              </a:spcAft>
+              <a:buClrTx/>
+              <a:buSzTx/>
+              <a:buFontTx/>
+              <a:buNone/>
+              <a:tabLst/>
+            </a:pPr>
+            <a:r>
+              <a:rPr kumimoji="0" lang="en-US" sz="2800" b="1" i="0" u="none" strike="noStrike" cap="none" normalizeH="0" baseline="0" dirty="0" smtClean="0">
+                <a:ln>
+                  <a:noFill/>
+                </a:ln>
+                <a:solidFill>
+                  <a:schemeClr val="tx1"/>
+                </a:solidFill>
+                <a:effectLst/>
+                <a:latin typeface="Arial" pitchFamily="34" charset="0"/>
+                <a:cs typeface="Arial" pitchFamily="34" charset="0"/>
+              </a:rPr>
+              <a:t>Subtraction of Signed Numbers</a:t>
+            </a:r>
+          </a:p>
+          <a:p>
+            <a:pPr marL="0" marR="0" lvl="0" indent="0" algn="l" defTabSz="914400" rtl="0" eaLnBrk="1" fontAlgn="base" latinLnBrk="0" hangingPunct="1">
+              <a:lnSpc>
+                <a:spcPct val="100000"/>
+              </a:lnSpc>
+              <a:spcBef>
+                <a:spcPct val="0"/>
+              </a:spcBef>
+              <a:spcAft>
+                <a:spcPct val="0"/>
+              </a:spcAft>
+              <a:buClrTx/>
+              <a:buSzTx/>
+              <a:buFontTx/>
+              <a:buNone/>
+              <a:tabLst/>
+            </a:pPr>
+            <a:endParaRPr kumimoji="0" lang="en-US" sz="2800" b="1" i="0" u="none" strike="noStrike" cap="none" normalizeH="0" baseline="0" dirty="0" smtClean="0">
               <a:ln>
                 <a:noFill/>
               </a:ln>
@@ -7556,8 +8326,894 @@
               <a:cs typeface="Arial" pitchFamily="34" charset="0"/>
             </a:endParaRPr>
           </a:p>
-        </p:txBody>
-      </p:sp>
+          <a:p>
+            <a:pPr marL="0" marR="0" lvl="0" indent="0" algn="l" defTabSz="914400" rtl="0" eaLnBrk="0" fontAlgn="base" latinLnBrk="0" hangingPunct="0">
+              <a:lnSpc>
+                <a:spcPct val="100000"/>
+              </a:lnSpc>
+              <a:spcBef>
+                <a:spcPct val="0"/>
+              </a:spcBef>
+              <a:spcAft>
+                <a:spcPct val="0"/>
+              </a:spcAft>
+              <a:buClrTx/>
+              <a:buSzTx/>
+              <a:buFontTx/>
+              <a:buNone/>
+              <a:tabLst/>
+            </a:pPr>
+            <a:r>
+              <a:rPr kumimoji="0" lang="en-US" sz="2800" b="1" i="0" u="none" strike="noStrike" cap="none" normalizeH="0" baseline="0" dirty="0" smtClean="0">
+                <a:ln>
+                  <a:noFill/>
+                </a:ln>
+                <a:solidFill>
+                  <a:schemeClr val="tx1"/>
+                </a:solidFill>
+                <a:effectLst/>
+                <a:latin typeface="Arial" pitchFamily="34" charset="0"/>
+                <a:cs typeface="Arial" pitchFamily="34" charset="0"/>
+              </a:rPr>
+              <a:t>Problem</a:t>
+            </a:r>
+            <a:r>
+              <a:rPr kumimoji="0" lang="en-US" sz="2800" b="0" i="0" u="none" strike="noStrike" cap="none" normalizeH="0" baseline="0" dirty="0" smtClean="0">
+                <a:ln>
+                  <a:noFill/>
+                </a:ln>
+                <a:solidFill>
+                  <a:schemeClr val="tx1"/>
+                </a:solidFill>
+                <a:effectLst/>
+                <a:latin typeface="Arial" pitchFamily="34" charset="0"/>
+                <a:cs typeface="Arial" pitchFamily="34" charset="0"/>
+              </a:rPr>
+              <a:t>: </a:t>
+            </a:r>
+            <a:r>
+              <a:rPr kumimoji="0" lang="en-US" sz="2800" b="0" i="0" u="none" strike="noStrike" cap="none" normalizeH="0" baseline="0" dirty="0" smtClean="0">
+                <a:ln>
+                  <a:noFill/>
+                </a:ln>
+                <a:solidFill>
+                  <a:schemeClr val="tx1"/>
+                </a:solidFill>
+                <a:effectLst/>
+                <a:latin typeface="Arial Unicode MS" pitchFamily="34" charset="-128"/>
+                <a:cs typeface="Arial" pitchFamily="34" charset="0"/>
+              </a:rPr>
+              <a:t>5 - 7</a:t>
+            </a:r>
+            <a:r>
+              <a:rPr kumimoji="0" lang="en-US" sz="2800" b="0" i="0" u="none" strike="noStrike" cap="none" normalizeH="0" baseline="0" dirty="0" smtClean="0">
+                <a:ln>
+                  <a:noFill/>
+                </a:ln>
+                <a:solidFill>
+                  <a:schemeClr val="tx1"/>
+                </a:solidFill>
+                <a:effectLst/>
+                <a:latin typeface="Arial" pitchFamily="34" charset="0"/>
+                <a:cs typeface="Arial" pitchFamily="34" charset="0"/>
+              </a:rPr>
+              <a:t> = ?</a:t>
+            </a:r>
+          </a:p>
+        </p:txBody>
+      </p:sp>
+      <p:sp>
+        <p:nvSpPr>
+          <p:cNvPr id="3" name="Rectangle 2"/>
+          <p:cNvSpPr/>
+          <p:nvPr/>
+        </p:nvSpPr>
+        <p:spPr>
+          <a:xfrm>
+            <a:off x="381000" y="1524000"/>
+            <a:ext cx="8382000" cy="4953000"/>
+          </a:xfrm>
+          <a:prstGeom prst="rect">
+            <a:avLst/>
+          </a:prstGeom>
+        </p:spPr>
+        <p:style>
+          <a:lnRef idx="1">
+            <a:schemeClr val="accent4"/>
+          </a:lnRef>
+          <a:fillRef idx="2">
+            <a:schemeClr val="accent4"/>
+          </a:fillRef>
+          <a:effectRef idx="1">
+            <a:schemeClr val="accent4"/>
+          </a:effectRef>
+          <a:fontRef idx="minor">
+            <a:schemeClr val="dk1"/>
+          </a:fontRef>
+        </p:style>
+        <p:txBody>
+          <a:bodyPr rtlCol="0" anchor="ctr"/>
+          <a:lstStyle/>
+          <a:p>
+            <a:pPr algn="ctr"/>
+            <a:endParaRPr lang="en-US"/>
+          </a:p>
+        </p:txBody>
+      </p:sp>
+      <p:sp>
+        <p:nvSpPr>
+          <p:cNvPr id="4" name="TextBox 3"/>
+          <p:cNvSpPr txBox="1"/>
+          <p:nvPr/>
+        </p:nvSpPr>
+        <p:spPr>
+          <a:xfrm>
+            <a:off x="457200" y="1600200"/>
+            <a:ext cx="7086600" cy="2954655"/>
+          </a:xfrm>
+          <a:prstGeom prst="rect">
+            <a:avLst/>
+          </a:prstGeom>
+          <a:noFill/>
+        </p:spPr>
+        <p:txBody>
+          <a:bodyPr wrap="square" rtlCol="0">
+            <a:spAutoFit/>
+          </a:bodyPr>
+          <a:lstStyle/>
+          <a:p>
+            <a:r>
+              <a:rPr lang="en-US" sz="2800" b="1" dirty="0" smtClean="0"/>
+              <a:t>Convert to: 7 +(-5)</a:t>
+            </a:r>
+          </a:p>
+          <a:p>
+            <a:r>
+              <a:rPr lang="en-US" sz="2800" b="1" dirty="0" smtClean="0"/>
+              <a:t>+7 =</a:t>
+            </a:r>
+            <a:r>
+              <a:rPr lang="en-US" sz="2800" dirty="0" smtClean="0"/>
+              <a:t> </a:t>
+            </a:r>
+            <a:r>
+              <a:rPr lang="en-US" sz="2800" b="1" dirty="0" smtClean="0"/>
+              <a:t>0111</a:t>
+            </a:r>
+          </a:p>
+          <a:p>
+            <a:r>
+              <a:rPr lang="en-US" sz="2800" b="1" dirty="0" smtClean="0"/>
+              <a:t>+5=</a:t>
+            </a:r>
+            <a:r>
+              <a:rPr lang="en-US" sz="2800" dirty="0" smtClean="0"/>
+              <a:t> </a:t>
+            </a:r>
+            <a:r>
+              <a:rPr lang="en-US" sz="2800" b="1" dirty="0" smtClean="0"/>
+              <a:t>0101</a:t>
+            </a:r>
+          </a:p>
+          <a:p>
+            <a:r>
+              <a:rPr lang="en-US" sz="2800" b="1" dirty="0" smtClean="0"/>
+              <a:t>→ 1's complement =</a:t>
+            </a:r>
+            <a:r>
+              <a:rPr lang="en-US" sz="2800" dirty="0" smtClean="0"/>
+              <a:t> </a:t>
+            </a:r>
+            <a:r>
+              <a:rPr lang="en-US" sz="2800" b="1" dirty="0" smtClean="0"/>
+              <a:t>1010</a:t>
+            </a:r>
+          </a:p>
+          <a:p>
+            <a:r>
+              <a:rPr lang="en-US" sz="2800" b="1" dirty="0" smtClean="0"/>
+              <a:t>→ 2's complement +1 = 1011 – (-5)</a:t>
+            </a:r>
+          </a:p>
+          <a:p>
+            <a:endParaRPr lang="en-US" sz="2800" b="1" dirty="0" smtClean="0"/>
+          </a:p>
+          <a:p>
+            <a:r>
+              <a:rPr lang="en-US" dirty="0" smtClean="0"/>
+              <a:t> </a:t>
+            </a:r>
+            <a:endParaRPr lang="en-US" dirty="0"/>
+          </a:p>
+        </p:txBody>
+      </p:sp>
+      <p:sp>
+        <p:nvSpPr>
+          <p:cNvPr id="5" name="TextBox 4"/>
+          <p:cNvSpPr txBox="1"/>
+          <p:nvPr/>
+        </p:nvSpPr>
+        <p:spPr>
+          <a:xfrm>
+            <a:off x="5791200" y="3810000"/>
+            <a:ext cx="2464136" cy="2062103"/>
+          </a:xfrm>
+          <a:prstGeom prst="rect">
+            <a:avLst/>
+          </a:prstGeom>
+          <a:noFill/>
+        </p:spPr>
+        <p:txBody>
+          <a:bodyPr wrap="none" rtlCol="0">
+            <a:spAutoFit/>
+          </a:bodyPr>
+          <a:lstStyle/>
+          <a:p>
+            <a:r>
+              <a:rPr lang="en-US" sz="2800" b="1" dirty="0" smtClean="0"/>
+              <a:t>    </a:t>
+            </a:r>
+            <a:r>
+              <a:rPr lang="en-US" sz="3200" b="1" dirty="0" smtClean="0"/>
+              <a:t>0111      (7)</a:t>
+            </a:r>
+          </a:p>
+          <a:p>
+            <a:r>
+              <a:rPr lang="en-US" sz="3200" b="1" dirty="0" smtClean="0"/>
+              <a:t>+  1011     (-5)</a:t>
+            </a:r>
+          </a:p>
+          <a:p>
+            <a:r>
+              <a:rPr lang="en-US" sz="3200" b="1" dirty="0" smtClean="0"/>
+              <a:t>    -------</a:t>
+            </a:r>
+          </a:p>
+          <a:p>
+            <a:r>
+              <a:rPr lang="en-US" sz="3200" b="1" dirty="0" smtClean="0"/>
+              <a:t>   10010</a:t>
+            </a:r>
+            <a:endParaRPr lang="en-US" sz="3200" b="1" dirty="0"/>
+          </a:p>
+        </p:txBody>
+      </p:sp>
+      <p:sp>
+        <p:nvSpPr>
+          <p:cNvPr id="7" name="TextBox 6"/>
+          <p:cNvSpPr txBox="1"/>
+          <p:nvPr/>
+        </p:nvSpPr>
+        <p:spPr>
+          <a:xfrm>
+            <a:off x="2362200" y="5257800"/>
+            <a:ext cx="2856423" cy="523220"/>
+          </a:xfrm>
+          <a:prstGeom prst="rect">
+            <a:avLst/>
+          </a:prstGeom>
+          <a:noFill/>
+        </p:spPr>
+        <p:txBody>
+          <a:bodyPr wrap="none" rtlCol="0">
+            <a:spAutoFit/>
+          </a:bodyPr>
+          <a:lstStyle/>
+          <a:p>
+            <a:r>
+              <a:rPr lang="en-US" sz="2800" b="1" dirty="0" smtClean="0"/>
+              <a:t>Result = 2 → 0010</a:t>
+            </a:r>
+            <a:endParaRPr lang="en-US" sz="2800" b="1" dirty="0"/>
+          </a:p>
+        </p:txBody>
+      </p:sp>
+      <p:sp>
+        <p:nvSpPr>
+          <p:cNvPr id="8" name="Right Arrow 7"/>
+          <p:cNvSpPr/>
+          <p:nvPr/>
+        </p:nvSpPr>
+        <p:spPr>
+          <a:xfrm>
+            <a:off x="5334000" y="5486400"/>
+            <a:ext cx="685800" cy="152400"/>
+          </a:xfrm>
+          <a:prstGeom prst="rightArrow">
+            <a:avLst/>
+          </a:prstGeom>
+        </p:spPr>
+        <p:style>
+          <a:lnRef idx="0">
+            <a:schemeClr val="accent2"/>
+          </a:lnRef>
+          <a:fillRef idx="3">
+            <a:schemeClr val="accent2"/>
+          </a:fillRef>
+          <a:effectRef idx="3">
+            <a:schemeClr val="accent2"/>
+          </a:effectRef>
+          <a:fontRef idx="minor">
+            <a:schemeClr val="lt1"/>
+          </a:fontRef>
+        </p:style>
+        <p:txBody>
+          <a:bodyPr rtlCol="0" anchor="ctr"/>
+          <a:lstStyle/>
+          <a:p>
+            <a:pPr algn="ctr"/>
+            <a:endParaRPr lang="en-US"/>
+          </a:p>
+        </p:txBody>
+      </p:sp>
+    </p:spTree>
+  </p:cSld>
+  <p:clrMapOvr>
+    <a:masterClrMapping/>
+  </p:clrMapOvr>
+</p:sld>
+</file>
+
+<file path=ppt/slides/slide27.xml><?xml version="1.0" encoding="utf-8"?>
+<p:sld xmlns:a="http://schemas.openxmlformats.org/drawingml/2006/main" xmlns:r="http://schemas.openxmlformats.org/officeDocument/2006/relationships" xmlns:p="http://schemas.openxmlformats.org/presentationml/2006/main">
+  <p:cSld>
+    <p:spTree>
+      <p:nvGrpSpPr>
+        <p:cNvPr id="1" name=""/>
+        <p:cNvGrpSpPr/>
+        <p:nvPr/>
+      </p:nvGrpSpPr>
+      <p:grpSpPr>
+        <a:xfrm>
+          <a:off x="0" y="0"/>
+          <a:ext cx="0" cy="0"/>
+          <a:chOff x="0" y="0"/>
+          <a:chExt cx="0" cy="0"/>
+        </a:xfrm>
+      </p:grpSpPr>
+      <p:pic>
+        <p:nvPicPr>
+          <p:cNvPr id="39937" name="Picture 1"/>
+          <p:cNvPicPr>
+            <a:picLocks noChangeAspect="1" noChangeArrowheads="1"/>
+          </p:cNvPicPr>
+          <p:nvPr/>
+        </p:nvPicPr>
+        <p:blipFill>
+          <a:blip r:embed="rId2"/>
+          <a:srcRect/>
+          <a:stretch>
+            <a:fillRect/>
+          </a:stretch>
+        </p:blipFill>
+        <p:spPr bwMode="auto">
+          <a:xfrm>
+            <a:off x="533400" y="457200"/>
+            <a:ext cx="5410200" cy="3438525"/>
+          </a:xfrm>
+          <a:prstGeom prst="rect">
+            <a:avLst/>
+          </a:prstGeom>
+          <a:noFill/>
+          <a:ln w="9525">
+            <a:noFill/>
+            <a:miter lim="800000"/>
+            <a:headEnd/>
+            <a:tailEnd/>
+          </a:ln>
+          <a:effectLst/>
+        </p:spPr>
+      </p:pic>
+      <p:pic>
+        <p:nvPicPr>
+          <p:cNvPr id="39938" name="Picture 2"/>
+          <p:cNvPicPr>
+            <a:picLocks noChangeAspect="1" noChangeArrowheads="1"/>
+          </p:cNvPicPr>
+          <p:nvPr/>
+        </p:nvPicPr>
+        <p:blipFill>
+          <a:blip r:embed="rId3"/>
+          <a:srcRect t="32561"/>
+          <a:stretch>
+            <a:fillRect/>
+          </a:stretch>
+        </p:blipFill>
+        <p:spPr bwMode="auto">
+          <a:xfrm>
+            <a:off x="2286000" y="4114800"/>
+            <a:ext cx="6248400" cy="2357438"/>
+          </a:xfrm>
+          <a:prstGeom prst="rect">
+            <a:avLst/>
+          </a:prstGeom>
+          <a:noFill/>
+          <a:ln w="9525">
+            <a:noFill/>
+            <a:miter lim="800000"/>
+            <a:headEnd/>
+            <a:tailEnd/>
+          </a:ln>
+          <a:effectLst/>
+        </p:spPr>
+      </p:pic>
+    </p:spTree>
+  </p:cSld>
+  <p:clrMapOvr>
+    <a:masterClrMapping/>
+  </p:clrMapOvr>
+</p:sld>
+</file>
+
+<file path=ppt/slides/slide28.xml><?xml version="1.0" encoding="utf-8"?>
+<p:sld xmlns:a="http://schemas.openxmlformats.org/drawingml/2006/main" xmlns:r="http://schemas.openxmlformats.org/officeDocument/2006/relationships" xmlns:p="http://schemas.openxmlformats.org/presentationml/2006/main">
+  <p:cSld>
+    <p:spTree>
+      <p:nvGrpSpPr>
+        <p:cNvPr id="1" name=""/>
+        <p:cNvGrpSpPr/>
+        <p:nvPr/>
+      </p:nvGrpSpPr>
+      <p:grpSpPr>
+        <a:xfrm>
+          <a:off x="0" y="0"/>
+          <a:ext cx="0" cy="0"/>
+          <a:chOff x="0" y="0"/>
+          <a:chExt cx="0" cy="0"/>
+        </a:xfrm>
+      </p:grpSpPr>
+      <p:sp>
+        <p:nvSpPr>
+          <p:cNvPr id="44033" name="Rectangle 1"/>
+          <p:cNvSpPr>
+            <a:spLocks noChangeArrowheads="1"/>
+          </p:cNvSpPr>
+          <p:nvPr/>
+        </p:nvSpPr>
+        <p:spPr bwMode="auto">
+          <a:xfrm>
+            <a:off x="304800" y="0"/>
+            <a:ext cx="7716984" cy="1631216"/>
+          </a:xfrm>
+          <a:prstGeom prst="rect">
+            <a:avLst/>
+          </a:prstGeom>
+          <a:noFill/>
+          <a:ln w="9525">
+            <a:noFill/>
+            <a:miter lim="800000"/>
+            <a:headEnd/>
+            <a:tailEnd/>
+          </a:ln>
+          <a:effectLst/>
+        </p:spPr>
+        <p:txBody>
+          <a:bodyPr vert="horz" wrap="none" lIns="91440" tIns="45720" rIns="91440" bIns="45720" numCol="1" anchor="ctr" anchorCtr="0" compatLnSpc="1">
+            <a:prstTxWarp prst="textNoShape">
+              <a:avLst/>
+            </a:prstTxWarp>
+            <a:spAutoFit/>
+          </a:bodyPr>
+          <a:lstStyle/>
+          <a:p>
+            <a:pPr marL="0" marR="0" lvl="0" indent="0" algn="l" defTabSz="914400" rtl="0" eaLnBrk="1" fontAlgn="base" latinLnBrk="0" hangingPunct="1">
+              <a:lnSpc>
+                <a:spcPct val="100000"/>
+              </a:lnSpc>
+              <a:spcBef>
+                <a:spcPct val="0"/>
+              </a:spcBef>
+              <a:spcAft>
+                <a:spcPct val="0"/>
+              </a:spcAft>
+              <a:buClrTx/>
+              <a:buSzTx/>
+              <a:buFontTx/>
+              <a:buNone/>
+              <a:tabLst/>
+            </a:pPr>
+            <a:r>
+              <a:rPr kumimoji="0" lang="en-US" sz="2800" b="1" i="0" u="none" strike="noStrike" cap="none" normalizeH="0" baseline="0" dirty="0" smtClean="0">
+                <a:ln>
+                  <a:noFill/>
+                </a:ln>
+                <a:solidFill>
+                  <a:schemeClr val="tx1"/>
+                </a:solidFill>
+                <a:effectLst/>
+                <a:latin typeface="Arial" pitchFamily="34" charset="0"/>
+                <a:cs typeface="Arial" pitchFamily="34" charset="0"/>
+              </a:rPr>
+              <a:t>Multiplication</a:t>
+            </a:r>
+          </a:p>
+          <a:p>
+            <a:pPr marL="0" marR="0" lvl="0" indent="0" algn="l" defTabSz="914400" rtl="0" eaLnBrk="1" fontAlgn="base" latinLnBrk="0" hangingPunct="1">
+              <a:lnSpc>
+                <a:spcPct val="100000"/>
+              </a:lnSpc>
+              <a:spcBef>
+                <a:spcPct val="0"/>
+              </a:spcBef>
+              <a:spcAft>
+                <a:spcPct val="0"/>
+              </a:spcAft>
+              <a:buClrTx/>
+              <a:buSzTx/>
+              <a:buFontTx/>
+              <a:buNone/>
+              <a:tabLst/>
+            </a:pPr>
+            <a:endParaRPr kumimoji="0" lang="en-US" sz="2400" b="1" i="0" u="none" strike="noStrike" cap="none" normalizeH="0" baseline="0" dirty="0" smtClean="0">
+              <a:ln>
+                <a:noFill/>
+              </a:ln>
+              <a:solidFill>
+                <a:schemeClr val="tx1"/>
+              </a:solidFill>
+              <a:effectLst/>
+              <a:latin typeface="Arial" pitchFamily="34" charset="0"/>
+              <a:cs typeface="Arial" pitchFamily="34" charset="0"/>
+            </a:endParaRPr>
+          </a:p>
+          <a:p>
+            <a:pPr marL="0" marR="0" lvl="0" indent="0" algn="l" defTabSz="914400" rtl="0" eaLnBrk="0" fontAlgn="base" latinLnBrk="0" hangingPunct="0">
+              <a:lnSpc>
+                <a:spcPct val="100000"/>
+              </a:lnSpc>
+              <a:spcBef>
+                <a:spcPct val="0"/>
+              </a:spcBef>
+              <a:spcAft>
+                <a:spcPct val="0"/>
+              </a:spcAft>
+              <a:buClrTx/>
+              <a:buSzTx/>
+              <a:buFontTx/>
+              <a:buNone/>
+              <a:tabLst/>
+            </a:pPr>
+            <a:r>
+              <a:rPr kumimoji="0" lang="en-US" sz="2400" b="1" i="0" u="none" strike="noStrike" cap="none" normalizeH="0" baseline="0" dirty="0" smtClean="0">
+                <a:ln>
+                  <a:noFill/>
+                </a:ln>
+                <a:solidFill>
+                  <a:schemeClr val="tx1"/>
+                </a:solidFill>
+                <a:effectLst/>
+                <a:latin typeface="Arial" pitchFamily="34" charset="0"/>
+                <a:cs typeface="Arial" pitchFamily="34" charset="0"/>
+              </a:rPr>
+              <a:t>Example: Multiply </a:t>
+            </a:r>
+            <a:r>
+              <a:rPr kumimoji="0" lang="en-US" sz="2400" b="1" i="0" u="none" strike="noStrike" cap="none" normalizeH="0" baseline="0" dirty="0" smtClean="0">
+                <a:ln>
+                  <a:noFill/>
+                </a:ln>
+                <a:solidFill>
+                  <a:schemeClr val="tx1"/>
+                </a:solidFill>
+                <a:effectLst/>
+                <a:latin typeface="Arial Unicode MS" pitchFamily="34" charset="-128"/>
+                <a:cs typeface="Arial" pitchFamily="34" charset="0"/>
+              </a:rPr>
+              <a:t>-3 × 2</a:t>
+            </a:r>
+            <a:r>
+              <a:rPr kumimoji="0" lang="en-US" sz="2400" b="1" i="0" u="none" strike="noStrike" cap="none" normalizeH="0" baseline="0" dirty="0" smtClean="0">
+                <a:ln>
+                  <a:noFill/>
+                </a:ln>
+                <a:solidFill>
+                  <a:schemeClr val="tx1"/>
+                </a:solidFill>
+                <a:effectLst/>
+                <a:latin typeface="Arial" pitchFamily="34" charset="0"/>
+                <a:cs typeface="Arial" pitchFamily="34" charset="0"/>
+              </a:rPr>
+              <a:t> using 4-bit 2’s complement</a:t>
+            </a:r>
+          </a:p>
+          <a:p>
+            <a:pPr marL="0" marR="0" lvl="0" indent="0" algn="l" defTabSz="914400" rtl="0" eaLnBrk="0" fontAlgn="base" latinLnBrk="0" hangingPunct="0">
+              <a:lnSpc>
+                <a:spcPct val="100000"/>
+              </a:lnSpc>
+              <a:spcBef>
+                <a:spcPct val="0"/>
+              </a:spcBef>
+              <a:spcAft>
+                <a:spcPct val="0"/>
+              </a:spcAft>
+              <a:buClrTx/>
+              <a:buSzTx/>
+              <a:buFontTx/>
+              <a:buNone/>
+              <a:tabLst/>
+            </a:pPr>
+            <a:endParaRPr kumimoji="0" lang="en-US" sz="2400" b="0" i="0" u="none" strike="noStrike" cap="none" normalizeH="0" baseline="0" dirty="0" smtClean="0">
+              <a:ln>
+                <a:noFill/>
+              </a:ln>
+              <a:solidFill>
+                <a:schemeClr val="tx1"/>
+              </a:solidFill>
+              <a:effectLst/>
+              <a:latin typeface="Arial" pitchFamily="34" charset="0"/>
+              <a:cs typeface="Arial" pitchFamily="34" charset="0"/>
+            </a:endParaRPr>
+          </a:p>
+        </p:txBody>
+      </p:sp>
+      <p:sp>
+        <p:nvSpPr>
+          <p:cNvPr id="3" name="Rectangle 2"/>
+          <p:cNvSpPr/>
+          <p:nvPr/>
+        </p:nvSpPr>
+        <p:spPr>
+          <a:xfrm>
+            <a:off x="609600" y="1752600"/>
+            <a:ext cx="7543800" cy="4495800"/>
+          </a:xfrm>
+          <a:prstGeom prst="rect">
+            <a:avLst/>
+          </a:prstGeom>
+        </p:spPr>
+        <p:style>
+          <a:lnRef idx="1">
+            <a:schemeClr val="accent5"/>
+          </a:lnRef>
+          <a:fillRef idx="2">
+            <a:schemeClr val="accent5"/>
+          </a:fillRef>
+          <a:effectRef idx="1">
+            <a:schemeClr val="accent5"/>
+          </a:effectRef>
+          <a:fontRef idx="minor">
+            <a:schemeClr val="dk1"/>
+          </a:fontRef>
+        </p:style>
+        <p:txBody>
+          <a:bodyPr rtlCol="0" anchor="ctr"/>
+          <a:lstStyle/>
+          <a:p>
+            <a:pPr algn="ctr"/>
+            <a:endParaRPr lang="en-US"/>
+          </a:p>
+        </p:txBody>
+      </p:sp>
+      <p:sp>
+        <p:nvSpPr>
+          <p:cNvPr id="4" name="TextBox 3"/>
+          <p:cNvSpPr txBox="1"/>
+          <p:nvPr/>
+        </p:nvSpPr>
+        <p:spPr>
+          <a:xfrm>
+            <a:off x="762000" y="1905000"/>
+            <a:ext cx="4343400" cy="2954655"/>
+          </a:xfrm>
+          <a:prstGeom prst="rect">
+            <a:avLst/>
+          </a:prstGeom>
+          <a:noFill/>
+        </p:spPr>
+        <p:txBody>
+          <a:bodyPr wrap="square" rtlCol="0">
+            <a:spAutoFit/>
+          </a:bodyPr>
+          <a:lstStyle/>
+          <a:p>
+            <a:r>
+              <a:rPr lang="en-US" sz="2800" b="1" dirty="0" smtClean="0"/>
+              <a:t>Represent in 4-bit binary:</a:t>
+            </a:r>
+          </a:p>
+          <a:p>
+            <a:r>
+              <a:rPr lang="en-US" sz="2800" b="1" dirty="0" smtClean="0"/>
+              <a:t>+2 : 0010</a:t>
+            </a:r>
+          </a:p>
+          <a:p>
+            <a:endParaRPr lang="en-US" sz="2800" b="1" dirty="0" smtClean="0"/>
+          </a:p>
+          <a:p>
+            <a:r>
+              <a:rPr lang="en-US" sz="2800" b="1" dirty="0" smtClean="0"/>
+              <a:t>-3 :0011 </a:t>
+            </a:r>
+          </a:p>
+          <a:p>
+            <a:r>
+              <a:rPr lang="en-US" sz="2800" b="1" dirty="0" smtClean="0"/>
+              <a:t>→ 1’s comp: 1100 </a:t>
+            </a:r>
+          </a:p>
+          <a:p>
+            <a:r>
+              <a:rPr lang="en-US" sz="2800" b="1" dirty="0" smtClean="0"/>
+              <a:t>→ 2’s comp (+1) = 1101</a:t>
+            </a:r>
+          </a:p>
+          <a:p>
+            <a:endParaRPr lang="en-US" dirty="0"/>
+          </a:p>
+        </p:txBody>
+      </p:sp>
+      <p:sp>
+        <p:nvSpPr>
+          <p:cNvPr id="5" name="TextBox 4"/>
+          <p:cNvSpPr txBox="1"/>
+          <p:nvPr/>
+        </p:nvSpPr>
+        <p:spPr>
+          <a:xfrm>
+            <a:off x="5181600" y="3048000"/>
+            <a:ext cx="2765215" cy="2062103"/>
+          </a:xfrm>
+          <a:prstGeom prst="rect">
+            <a:avLst/>
+          </a:prstGeom>
+          <a:noFill/>
+        </p:spPr>
+        <p:txBody>
+          <a:bodyPr wrap="square" rtlCol="0">
+            <a:spAutoFit/>
+          </a:bodyPr>
+          <a:lstStyle/>
+          <a:p>
+            <a:r>
+              <a:rPr lang="en-US" sz="3200" b="1" dirty="0" smtClean="0"/>
+              <a:t>     1101     (−3)</a:t>
+            </a:r>
+          </a:p>
+          <a:p>
+            <a:r>
+              <a:rPr lang="en-US" sz="3200" b="1" dirty="0" smtClean="0"/>
+              <a:t>×   0010     (+2)</a:t>
+            </a:r>
+          </a:p>
+          <a:p>
+            <a:r>
+              <a:rPr lang="en-US" sz="3200" b="1" dirty="0" smtClean="0"/>
+              <a:t>   ----------</a:t>
+            </a:r>
+          </a:p>
+          <a:p>
+            <a:r>
+              <a:rPr lang="en-US" sz="3200" b="1" dirty="0" smtClean="0"/>
+              <a:t>00000010</a:t>
+            </a:r>
+            <a:endParaRPr lang="en-US" sz="3200" b="1" dirty="0"/>
+          </a:p>
+        </p:txBody>
+      </p:sp>
+      <p:sp>
+        <p:nvSpPr>
+          <p:cNvPr id="6" name="TextBox 5"/>
+          <p:cNvSpPr txBox="1"/>
+          <p:nvPr/>
+        </p:nvSpPr>
+        <p:spPr>
+          <a:xfrm>
+            <a:off x="914400" y="5486400"/>
+            <a:ext cx="6017545" cy="523220"/>
+          </a:xfrm>
+          <a:prstGeom prst="rect">
+            <a:avLst/>
+          </a:prstGeom>
+          <a:noFill/>
+        </p:spPr>
+        <p:txBody>
+          <a:bodyPr wrap="none" rtlCol="0">
+            <a:spAutoFit/>
+          </a:bodyPr>
+          <a:lstStyle/>
+          <a:p>
+            <a:r>
+              <a:rPr lang="en-US" sz="2800" b="1" dirty="0" smtClean="0"/>
+              <a:t>Result = 1110 (in 4-bit signed: this is -6)</a:t>
+            </a:r>
+            <a:endParaRPr lang="en-US" sz="2800" b="1" dirty="0"/>
+          </a:p>
+        </p:txBody>
+      </p:sp>
+    </p:spTree>
+  </p:cSld>
+  <p:clrMapOvr>
+    <a:masterClrMapping/>
+  </p:clrMapOvr>
+</p:sld>
+</file>
+
+<file path=ppt/slides/slide29.xml><?xml version="1.0" encoding="utf-8"?>
+<p:sld xmlns:a="http://schemas.openxmlformats.org/drawingml/2006/main" xmlns:r="http://schemas.openxmlformats.org/officeDocument/2006/relationships" xmlns:p="http://schemas.openxmlformats.org/presentationml/2006/main">
+  <p:cSld>
+    <p:spTree>
+      <p:nvGrpSpPr>
+        <p:cNvPr id="1" name=""/>
+        <p:cNvGrpSpPr/>
+        <p:nvPr/>
+      </p:nvGrpSpPr>
+      <p:grpSpPr>
+        <a:xfrm>
+          <a:off x="0" y="0"/>
+          <a:ext cx="0" cy="0"/>
+          <a:chOff x="0" y="0"/>
+          <a:chExt cx="0" cy="0"/>
+        </a:xfrm>
+      </p:grpSpPr>
+      <p:pic>
+        <p:nvPicPr>
+          <p:cNvPr id="43009" name="Picture 1"/>
+          <p:cNvPicPr>
+            <a:picLocks noChangeAspect="1" noChangeArrowheads="1"/>
+          </p:cNvPicPr>
+          <p:nvPr/>
+        </p:nvPicPr>
+        <p:blipFill>
+          <a:blip r:embed="rId2"/>
+          <a:srcRect/>
+          <a:stretch>
+            <a:fillRect/>
+          </a:stretch>
+        </p:blipFill>
+        <p:spPr bwMode="auto">
+          <a:xfrm>
+            <a:off x="0" y="381000"/>
+            <a:ext cx="8077200" cy="3581400"/>
+          </a:xfrm>
+          <a:prstGeom prst="rect">
+            <a:avLst/>
+          </a:prstGeom>
+          <a:noFill/>
+          <a:ln w="9525">
+            <a:noFill/>
+            <a:miter lim="800000"/>
+            <a:headEnd/>
+            <a:tailEnd/>
+          </a:ln>
+          <a:effectLst/>
+        </p:spPr>
+      </p:pic>
+      <p:pic>
+        <p:nvPicPr>
+          <p:cNvPr id="43010" name="Picture 2"/>
+          <p:cNvPicPr>
+            <a:picLocks noChangeAspect="1" noChangeArrowheads="1"/>
+          </p:cNvPicPr>
+          <p:nvPr/>
+        </p:nvPicPr>
+        <p:blipFill>
+          <a:blip r:embed="rId3"/>
+          <a:srcRect t="25926"/>
+          <a:stretch>
+            <a:fillRect/>
+          </a:stretch>
+        </p:blipFill>
+        <p:spPr bwMode="auto">
+          <a:xfrm>
+            <a:off x="2819400" y="3657600"/>
+            <a:ext cx="6010275" cy="2971800"/>
+          </a:xfrm>
+          <a:prstGeom prst="rect">
+            <a:avLst/>
+          </a:prstGeom>
+          <a:noFill/>
+          <a:ln w="9525">
+            <a:noFill/>
+            <a:miter lim="800000"/>
+            <a:headEnd/>
+            <a:tailEnd/>
+          </a:ln>
+          <a:effectLst/>
+        </p:spPr>
+      </p:pic>
     </p:spTree>
   </p:cSld>
   <p:clrMapOvr>
@@ -8146,6 +9802,581 @@
 </p:sld>
 </file>
 
+<file path=ppt/slides/slide30.xml><?xml version="1.0" encoding="utf-8"?>
+<p:sld xmlns:a="http://schemas.openxmlformats.org/drawingml/2006/main" xmlns:r="http://schemas.openxmlformats.org/officeDocument/2006/relationships" xmlns:p="http://schemas.openxmlformats.org/presentationml/2006/main">
+  <p:cSld>
+    <p:spTree>
+      <p:nvGrpSpPr>
+        <p:cNvPr id="1" name=""/>
+        <p:cNvGrpSpPr/>
+        <p:nvPr/>
+      </p:nvGrpSpPr>
+      <p:grpSpPr>
+        <a:xfrm>
+          <a:off x="0" y="0"/>
+          <a:ext cx="0" cy="0"/>
+          <a:chOff x="0" y="0"/>
+          <a:chExt cx="0" cy="0"/>
+        </a:xfrm>
+      </p:grpSpPr>
+      <p:sp>
+        <p:nvSpPr>
+          <p:cNvPr id="38913" name="Rectangle 1"/>
+          <p:cNvSpPr>
+            <a:spLocks noChangeArrowheads="1"/>
+          </p:cNvSpPr>
+          <p:nvPr/>
+        </p:nvSpPr>
+        <p:spPr bwMode="auto">
+          <a:xfrm>
+            <a:off x="0" y="0"/>
+            <a:ext cx="3796232" cy="1446550"/>
+          </a:xfrm>
+          <a:prstGeom prst="rect">
+            <a:avLst/>
+          </a:prstGeom>
+          <a:noFill/>
+          <a:ln w="9525">
+            <a:noFill/>
+            <a:miter lim="800000"/>
+            <a:headEnd/>
+            <a:tailEnd/>
+          </a:ln>
+          <a:effectLst/>
+        </p:spPr>
+        <p:txBody>
+          <a:bodyPr vert="horz" wrap="none" lIns="91440" tIns="45720" rIns="91440" bIns="45720" numCol="1" anchor="ctr" anchorCtr="0" compatLnSpc="1">
+            <a:prstTxWarp prst="textNoShape">
+              <a:avLst/>
+            </a:prstTxWarp>
+            <a:spAutoFit/>
+          </a:bodyPr>
+          <a:lstStyle/>
+          <a:p>
+            <a:pPr marL="0" marR="0" lvl="0" indent="0" algn="l" defTabSz="914400" rtl="0" eaLnBrk="1" fontAlgn="base" latinLnBrk="0" hangingPunct="1">
+              <a:lnSpc>
+                <a:spcPct val="100000"/>
+              </a:lnSpc>
+              <a:spcBef>
+                <a:spcPct val="0"/>
+              </a:spcBef>
+              <a:spcAft>
+                <a:spcPct val="0"/>
+              </a:spcAft>
+              <a:buClrTx/>
+              <a:buSzTx/>
+              <a:buFontTx/>
+              <a:buNone/>
+              <a:tabLst/>
+            </a:pPr>
+            <a:r>
+              <a:rPr kumimoji="0" lang="en-US" sz="3200" b="1" i="0" u="none" strike="noStrike" cap="none" normalizeH="0" baseline="0" dirty="0" smtClean="0">
+                <a:ln>
+                  <a:noFill/>
+                </a:ln>
+                <a:solidFill>
+                  <a:schemeClr val="tx1"/>
+                </a:solidFill>
+                <a:effectLst/>
+                <a:latin typeface="Arial" pitchFamily="34" charset="0"/>
+                <a:cs typeface="Arial" pitchFamily="34" charset="0"/>
+              </a:rPr>
+              <a:t>Division</a:t>
+            </a:r>
+          </a:p>
+          <a:p>
+            <a:pPr marL="0" marR="0" lvl="0" indent="0" algn="l" defTabSz="914400" rtl="0" eaLnBrk="1" fontAlgn="base" latinLnBrk="0" hangingPunct="1">
+              <a:lnSpc>
+                <a:spcPct val="100000"/>
+              </a:lnSpc>
+              <a:spcBef>
+                <a:spcPct val="0"/>
+              </a:spcBef>
+              <a:spcAft>
+                <a:spcPct val="0"/>
+              </a:spcAft>
+              <a:buClrTx/>
+              <a:buSzTx/>
+              <a:buFontTx/>
+              <a:buNone/>
+              <a:tabLst/>
+            </a:pPr>
+            <a:endParaRPr kumimoji="0" lang="en-US" sz="3200" b="1" i="0" u="none" strike="noStrike" cap="none" normalizeH="0" baseline="0" dirty="0" smtClean="0">
+              <a:ln>
+                <a:noFill/>
+              </a:ln>
+              <a:solidFill>
+                <a:schemeClr val="tx1"/>
+              </a:solidFill>
+              <a:effectLst/>
+              <a:latin typeface="Arial" pitchFamily="34" charset="0"/>
+              <a:cs typeface="Arial" pitchFamily="34" charset="0"/>
+            </a:endParaRPr>
+          </a:p>
+          <a:p>
+            <a:pPr lvl="0" eaLnBrk="0" fontAlgn="base" hangingPunct="0">
+              <a:spcBef>
+                <a:spcPct val="0"/>
+              </a:spcBef>
+              <a:spcAft>
+                <a:spcPct val="0"/>
+              </a:spcAft>
+            </a:pPr>
+            <a:r>
+              <a:rPr kumimoji="0" lang="en-US" sz="2400" b="1" i="0" u="none" strike="noStrike" cap="none" normalizeH="0" baseline="0" dirty="0" smtClean="0">
+                <a:ln>
+                  <a:noFill/>
+                </a:ln>
+                <a:solidFill>
+                  <a:schemeClr val="tx1"/>
+                </a:solidFill>
+                <a:effectLst/>
+                <a:latin typeface="Arial" pitchFamily="34" charset="0"/>
+                <a:cs typeface="Arial" pitchFamily="34" charset="0"/>
+              </a:rPr>
+              <a:t>Example: </a:t>
+            </a:r>
+            <a:r>
+              <a:rPr lang="en-US" sz="2400" dirty="0" smtClean="0"/>
+              <a:t>01111100 ÷ 0010</a:t>
+            </a:r>
+            <a:endParaRPr kumimoji="0" lang="en-US" sz="2400" b="0" i="0" u="none" strike="noStrike" cap="none" normalizeH="0" baseline="0" dirty="0" smtClean="0">
+              <a:ln>
+                <a:noFill/>
+              </a:ln>
+              <a:solidFill>
+                <a:schemeClr val="tx1"/>
+              </a:solidFill>
+              <a:effectLst/>
+              <a:latin typeface="Arial" pitchFamily="34" charset="0"/>
+              <a:cs typeface="Arial" pitchFamily="34" charset="0"/>
+            </a:endParaRPr>
+          </a:p>
+        </p:txBody>
+      </p:sp>
+      <p:pic>
+        <p:nvPicPr>
+          <p:cNvPr id="1026" name="Picture 2"/>
+          <p:cNvPicPr>
+            <a:picLocks noChangeAspect="1" noChangeArrowheads="1"/>
+          </p:cNvPicPr>
+          <p:nvPr/>
+        </p:nvPicPr>
+        <p:blipFill>
+          <a:blip r:embed="rId2"/>
+          <a:srcRect/>
+          <a:stretch>
+            <a:fillRect/>
+          </a:stretch>
+        </p:blipFill>
+        <p:spPr bwMode="auto">
+          <a:xfrm>
+            <a:off x="2362200" y="1600200"/>
+            <a:ext cx="5867400" cy="4857750"/>
+          </a:xfrm>
+          <a:prstGeom prst="rect">
+            <a:avLst/>
+          </a:prstGeom>
+          <a:noFill/>
+          <a:ln w="9525">
+            <a:noFill/>
+            <a:miter lim="800000"/>
+            <a:headEnd/>
+            <a:tailEnd/>
+          </a:ln>
+          <a:effectLst/>
+        </p:spPr>
+      </p:pic>
+    </p:spTree>
+  </p:cSld>
+  <p:clrMapOvr>
+    <a:masterClrMapping/>
+  </p:clrMapOvr>
+</p:sld>
+</file>
+
+<file path=ppt/slides/slide31.xml><?xml version="1.0" encoding="utf-8"?>
+<p:sld xmlns:a="http://schemas.openxmlformats.org/drawingml/2006/main" xmlns:r="http://schemas.openxmlformats.org/officeDocument/2006/relationships" xmlns:p="http://schemas.openxmlformats.org/presentationml/2006/main">
+  <p:cSld>
+    <p:spTree>
+      <p:nvGrpSpPr>
+        <p:cNvPr id="1" name=""/>
+        <p:cNvGrpSpPr/>
+        <p:nvPr/>
+      </p:nvGrpSpPr>
+      <p:grpSpPr>
+        <a:xfrm>
+          <a:off x="0" y="0"/>
+          <a:ext cx="0" cy="0"/>
+          <a:chOff x="0" y="0"/>
+          <a:chExt cx="0" cy="0"/>
+        </a:xfrm>
+      </p:grpSpPr>
+      <p:sp>
+        <p:nvSpPr>
+          <p:cNvPr id="2" name="TextBox 1"/>
+          <p:cNvSpPr txBox="1"/>
+          <p:nvPr/>
+        </p:nvSpPr>
+        <p:spPr>
+          <a:xfrm>
+            <a:off x="3124200" y="609600"/>
+            <a:ext cx="1926489" cy="523220"/>
+          </a:xfrm>
+          <a:prstGeom prst="rect">
+            <a:avLst/>
+          </a:prstGeom>
+          <a:noFill/>
+        </p:spPr>
+        <p:txBody>
+          <a:bodyPr wrap="none" rtlCol="0">
+            <a:spAutoFit/>
+          </a:bodyPr>
+          <a:lstStyle/>
+          <a:p>
+            <a:r>
+              <a:rPr lang="en-US" sz="2800" b="1" dirty="0" smtClean="0"/>
+              <a:t>QUESTIONS</a:t>
+            </a:r>
+            <a:endParaRPr lang="en-US" sz="2800" b="1" dirty="0"/>
+          </a:p>
+        </p:txBody>
+      </p:sp>
+      <p:sp>
+        <p:nvSpPr>
+          <p:cNvPr id="3" name="Rectangle 2"/>
+          <p:cNvSpPr/>
+          <p:nvPr/>
+        </p:nvSpPr>
+        <p:spPr>
+          <a:xfrm>
+            <a:off x="1219200" y="1524000"/>
+            <a:ext cx="7391400" cy="2308324"/>
+          </a:xfrm>
+          <a:prstGeom prst="rect">
+            <a:avLst/>
+          </a:prstGeom>
+        </p:spPr>
+        <p:txBody>
+          <a:bodyPr wrap="square">
+            <a:spAutoFit/>
+          </a:bodyPr>
+          <a:lstStyle/>
+          <a:p>
+            <a:r>
+              <a:rPr lang="en-US" sz="2400" dirty="0" smtClean="0"/>
+              <a:t>Which of the following values is the correct value of this binary code 1011 and 1111?</a:t>
+            </a:r>
+          </a:p>
+          <a:p>
+            <a:pPr marL="342900" indent="-342900">
+              <a:buAutoNum type="alphaLcPeriod"/>
+            </a:pPr>
+            <a:r>
+              <a:rPr lang="en-US" sz="2400" dirty="0" smtClean="0"/>
+              <a:t>11 and 14</a:t>
+            </a:r>
+          </a:p>
+          <a:p>
+            <a:pPr marL="342900" indent="-342900">
+              <a:buAutoNum type="alphaLcPeriod" startAt="2"/>
+            </a:pPr>
+            <a:r>
+              <a:rPr lang="en-US" sz="2400" dirty="0" smtClean="0"/>
+              <a:t>12 and 15</a:t>
+            </a:r>
+          </a:p>
+          <a:p>
+            <a:pPr marL="342900" indent="-342900"/>
+            <a:r>
+              <a:rPr lang="en-US" sz="2400" dirty="0" smtClean="0"/>
+              <a:t>c.    11 and 15</a:t>
+            </a:r>
+          </a:p>
+          <a:p>
+            <a:pPr marL="342900" indent="-342900"/>
+            <a:r>
+              <a:rPr lang="en-US" sz="2400" dirty="0" smtClean="0"/>
+              <a:t>d.   12 and 14</a:t>
+            </a:r>
+            <a:endParaRPr lang="en-US" sz="2400" dirty="0"/>
+          </a:p>
+        </p:txBody>
+      </p:sp>
+    </p:spTree>
+  </p:cSld>
+  <p:clrMapOvr>
+    <a:masterClrMapping/>
+  </p:clrMapOvr>
+</p:sld>
+</file>
+
+<file path=ppt/slides/slide32.xml><?xml version="1.0" encoding="utf-8"?>
+<p:sld xmlns:a="http://schemas.openxmlformats.org/drawingml/2006/main" xmlns:r="http://schemas.openxmlformats.org/officeDocument/2006/relationships" xmlns:p="http://schemas.openxmlformats.org/presentationml/2006/main">
+  <p:cSld>
+    <p:spTree>
+      <p:nvGrpSpPr>
+        <p:cNvPr id="1" name=""/>
+        <p:cNvGrpSpPr/>
+        <p:nvPr/>
+      </p:nvGrpSpPr>
+      <p:grpSpPr>
+        <a:xfrm>
+          <a:off x="0" y="0"/>
+          <a:ext cx="0" cy="0"/>
+          <a:chOff x="0" y="0"/>
+          <a:chExt cx="0" cy="0"/>
+        </a:xfrm>
+      </p:grpSpPr>
+      <p:sp>
+        <p:nvSpPr>
+          <p:cNvPr id="2" name="Rectangle 1"/>
+          <p:cNvSpPr/>
+          <p:nvPr/>
+        </p:nvSpPr>
+        <p:spPr>
+          <a:xfrm>
+            <a:off x="685800" y="457200"/>
+            <a:ext cx="7086600" cy="1938992"/>
+          </a:xfrm>
+          <a:prstGeom prst="rect">
+            <a:avLst/>
+          </a:prstGeom>
+        </p:spPr>
+        <p:txBody>
+          <a:bodyPr wrap="square">
+            <a:spAutoFit/>
+          </a:bodyPr>
+          <a:lstStyle/>
+          <a:p>
+            <a:r>
+              <a:rPr lang="en-US" sz="2400" b="1" dirty="0" smtClean="0"/>
+              <a:t>Which of the following numbers is a binary number?</a:t>
+            </a:r>
+          </a:p>
+          <a:p>
+            <a:pPr marL="342900" indent="-342900">
+              <a:buAutoNum type="alphaLcPeriod"/>
+            </a:pPr>
+            <a:r>
+              <a:rPr lang="en-US" sz="2400" b="1" dirty="0" smtClean="0"/>
+              <a:t>1 and 2</a:t>
+            </a:r>
+          </a:p>
+          <a:p>
+            <a:pPr marL="342900" indent="-342900">
+              <a:buAutoNum type="alphaLcPeriod"/>
+            </a:pPr>
+            <a:r>
+              <a:rPr lang="en-US" sz="2400" b="1" dirty="0" smtClean="0"/>
+              <a:t>0 and 0.1</a:t>
+            </a:r>
+          </a:p>
+          <a:p>
+            <a:pPr marL="342900" indent="-342900">
+              <a:buAutoNum type="alphaLcPeriod"/>
+            </a:pPr>
+            <a:r>
+              <a:rPr lang="en-US" sz="2400" b="1" dirty="0" smtClean="0"/>
+              <a:t>2 and 0</a:t>
+            </a:r>
+          </a:p>
+          <a:p>
+            <a:pPr marL="342900" indent="-342900">
+              <a:buAutoNum type="alphaLcPeriod"/>
+            </a:pPr>
+            <a:r>
+              <a:rPr lang="en-US" sz="2400" b="1" dirty="0" smtClean="0"/>
+              <a:t>0 and 1</a:t>
+            </a:r>
+            <a:endParaRPr lang="en-US" sz="2400" b="1" dirty="0"/>
+          </a:p>
+        </p:txBody>
+      </p:sp>
+      <p:sp>
+        <p:nvSpPr>
+          <p:cNvPr id="3" name="TextBox 2"/>
+          <p:cNvSpPr txBox="1"/>
+          <p:nvPr/>
+        </p:nvSpPr>
+        <p:spPr>
+          <a:xfrm>
+            <a:off x="609600" y="3048000"/>
+            <a:ext cx="6629400" cy="1938992"/>
+          </a:xfrm>
+          <a:prstGeom prst="rect">
+            <a:avLst/>
+          </a:prstGeom>
+          <a:noFill/>
+        </p:spPr>
+        <p:txBody>
+          <a:bodyPr wrap="square" rtlCol="0">
+            <a:spAutoFit/>
+          </a:bodyPr>
+          <a:lstStyle/>
+          <a:p>
+            <a:r>
+              <a:rPr lang="en-US" sz="2400" b="1" dirty="0" smtClean="0"/>
+              <a:t>Binary equivalent of decimal number 25 is </a:t>
+            </a:r>
+          </a:p>
+          <a:p>
+            <a:pPr marL="342900" indent="-342900">
+              <a:buFont typeface="+mj-lt"/>
+              <a:buAutoNum type="alphaLcParenR"/>
+            </a:pPr>
+            <a:r>
+              <a:rPr lang="en-US" sz="2400" b="1" dirty="0" smtClean="0"/>
+              <a:t>11101</a:t>
+            </a:r>
+          </a:p>
+          <a:p>
+            <a:pPr marL="342900" indent="-342900">
+              <a:buFont typeface="+mj-lt"/>
+              <a:buAutoNum type="alphaLcParenR"/>
+            </a:pPr>
+            <a:r>
+              <a:rPr lang="en-US" sz="2400" b="1" dirty="0" smtClean="0"/>
+              <a:t>11001</a:t>
+            </a:r>
+          </a:p>
+          <a:p>
+            <a:pPr marL="342900" indent="-342900">
+              <a:buFont typeface="+mj-lt"/>
+              <a:buAutoNum type="alphaLcParenR"/>
+            </a:pPr>
+            <a:r>
+              <a:rPr lang="en-US" sz="2400" b="1" dirty="0" smtClean="0"/>
+              <a:t>10011</a:t>
+            </a:r>
+          </a:p>
+          <a:p>
+            <a:pPr marL="342900" indent="-342900">
+              <a:buFont typeface="+mj-lt"/>
+              <a:buAutoNum type="alphaLcParenR"/>
+            </a:pPr>
+            <a:r>
+              <a:rPr lang="en-US" sz="2400" b="1" dirty="0" smtClean="0"/>
+              <a:t>11111</a:t>
+            </a:r>
+            <a:endParaRPr lang="en-US" sz="2400" b="1" dirty="0"/>
+          </a:p>
+        </p:txBody>
+      </p:sp>
+    </p:spTree>
+  </p:cSld>
+  <p:clrMapOvr>
+    <a:masterClrMapping/>
+  </p:clrMapOvr>
+</p:sld>
+</file>
+
+<file path=ppt/slides/slide33.xml><?xml version="1.0" encoding="utf-8"?>
+<p:sld xmlns:a="http://schemas.openxmlformats.org/drawingml/2006/main" xmlns:r="http://schemas.openxmlformats.org/officeDocument/2006/relationships" xmlns:p="http://schemas.openxmlformats.org/presentationml/2006/main">
+  <p:cSld>
+    <p:spTree>
+      <p:nvGrpSpPr>
+        <p:cNvPr id="1" name=""/>
+        <p:cNvGrpSpPr/>
+        <p:nvPr/>
+      </p:nvGrpSpPr>
+      <p:grpSpPr>
+        <a:xfrm>
+          <a:off x="0" y="0"/>
+          <a:ext cx="0" cy="0"/>
+          <a:chOff x="0" y="0"/>
+          <a:chExt cx="0" cy="0"/>
+        </a:xfrm>
+      </p:grpSpPr>
+      <p:sp>
+        <p:nvSpPr>
+          <p:cNvPr id="2" name="TextBox 1"/>
+          <p:cNvSpPr txBox="1"/>
+          <p:nvPr/>
+        </p:nvSpPr>
+        <p:spPr>
+          <a:xfrm>
+            <a:off x="533400" y="609600"/>
+            <a:ext cx="5277855" cy="2800767"/>
+          </a:xfrm>
+          <a:prstGeom prst="rect">
+            <a:avLst/>
+          </a:prstGeom>
+          <a:noFill/>
+        </p:spPr>
+        <p:txBody>
+          <a:bodyPr wrap="none" rtlCol="0">
+            <a:spAutoFit/>
+          </a:bodyPr>
+          <a:lstStyle/>
+          <a:p>
+            <a:r>
+              <a:rPr lang="en-US" sz="3200" b="1" dirty="0" smtClean="0"/>
+              <a:t>2’s Complement of (10000 )</a:t>
+            </a:r>
+            <a:r>
+              <a:rPr lang="en-US" sz="2000" b="1" dirty="0" smtClean="0"/>
+              <a:t>2 </a:t>
+            </a:r>
+            <a:r>
+              <a:rPr lang="en-US" sz="2800" b="1" dirty="0" smtClean="0"/>
+              <a:t>is</a:t>
+            </a:r>
+          </a:p>
+          <a:p>
+            <a:pPr marL="457200" indent="-457200">
+              <a:buFont typeface="+mj-lt"/>
+              <a:buAutoNum type="alphaLcParenR"/>
+            </a:pPr>
+            <a:r>
+              <a:rPr lang="en-US" sz="2800" b="1" dirty="0" smtClean="0"/>
+              <a:t>10000</a:t>
+            </a:r>
+          </a:p>
+          <a:p>
+            <a:pPr marL="457200" indent="-457200">
+              <a:buFont typeface="+mj-lt"/>
+              <a:buAutoNum type="alphaLcParenR"/>
+            </a:pPr>
+            <a:r>
+              <a:rPr lang="en-US" sz="2800" b="1" dirty="0" smtClean="0"/>
+              <a:t>01111</a:t>
+            </a:r>
+          </a:p>
+          <a:p>
+            <a:pPr marL="457200" indent="-457200">
+              <a:buFont typeface="+mj-lt"/>
+              <a:buAutoNum type="alphaLcParenR"/>
+            </a:pPr>
+            <a:r>
+              <a:rPr lang="en-US" sz="2800" b="1" dirty="0" smtClean="0"/>
+              <a:t>11000</a:t>
+            </a:r>
+          </a:p>
+          <a:p>
+            <a:pPr marL="457200" indent="-457200">
+              <a:buFont typeface="+mj-lt"/>
+              <a:buAutoNum type="alphaLcParenR"/>
+            </a:pPr>
+            <a:r>
+              <a:rPr lang="en-US" sz="2800" b="1" dirty="0" smtClean="0"/>
+              <a:t>01000</a:t>
+            </a:r>
+            <a:endParaRPr lang="en-US" sz="2000" b="1" dirty="0" smtClean="0"/>
+          </a:p>
+          <a:p>
+            <a:endParaRPr lang="en-US" sz="3200" b="1" dirty="0"/>
+          </a:p>
+        </p:txBody>
+      </p:sp>
+    </p:spTree>
+  </p:cSld>
+  <p:clrMapOvr>
+    <a:masterClrMapping/>
+  </p:clrMapOvr>
+</p:sld>
+</file>
+
 <file path=ppt/slides/slide4.xml><?xml version="1.0" encoding="utf-8"?>
 <p:sld xmlns:a="http://schemas.openxmlformats.org/drawingml/2006/main" xmlns:r="http://schemas.openxmlformats.org/officeDocument/2006/relationships" xmlns:p="http://schemas.openxmlformats.org/presentationml/2006/main">
   <p:cSld>
@@ -9621,7 +11852,7 @@
         <p:spPr>
           <a:xfrm>
             <a:off x="4419600" y="3657600"/>
-            <a:ext cx="3886200" cy="2369880"/>
+            <a:ext cx="3886200" cy="2677656"/>
           </a:xfrm>
           <a:prstGeom prst="rect">
             <a:avLst/>
@@ -9639,32 +11870,31 @@
             </a:r>
           </a:p>
           <a:p>
-            <a:r>
-              <a:rPr lang="en-US" sz="2400" b="1" dirty="0" smtClean="0"/>
-              <a:t>1100 ÷ 10 = ?</a:t>
-            </a:r>
-          </a:p>
-          <a:p>
-            <a:endParaRPr lang="en-US" sz="2400" b="1" dirty="0" smtClean="0"/>
-          </a:p>
-          <a:p>
-            <a:r>
-              <a:rPr lang="en-US" sz="2400" b="1" dirty="0" smtClean="0"/>
-              <a:t>1100 (binary) = 12</a:t>
-            </a:r>
-          </a:p>
-          <a:p>
-            <a:r>
-              <a:rPr lang="en-US" sz="2400" b="1" dirty="0" smtClean="0"/>
-              <a:t>10 (binary) = 2</a:t>
-            </a:r>
-          </a:p>
-          <a:p>
-            <a:r>
-              <a:rPr lang="en-US" sz="2400" b="1" dirty="0" smtClean="0"/>
-              <a:t>12 ÷ 2 = 6 → 110 (binary)</a:t>
-            </a:r>
-            <a:endParaRPr lang="en-US" sz="2400" b="1" dirty="0"/>
+            <a:endParaRPr lang="en-US" sz="2800" b="1" u="sng" dirty="0" smtClean="0"/>
+          </a:p>
+          <a:p>
+            <a:r>
+              <a:rPr lang="en-US" sz="2800" b="1" dirty="0" smtClean="0"/>
+              <a:t>0 / 0 =  Undefined</a:t>
+            </a:r>
+          </a:p>
+          <a:p>
+            <a:r>
+              <a:rPr lang="en-US" sz="2800" b="1" dirty="0" smtClean="0"/>
+              <a:t>0 / 1  = 0 </a:t>
+            </a:r>
+          </a:p>
+          <a:p>
+            <a:r>
+              <a:rPr lang="en-US" sz="2800" b="1" dirty="0" smtClean="0"/>
+              <a:t>1 / 0  = Undefined</a:t>
+            </a:r>
+          </a:p>
+          <a:p>
+            <a:r>
+              <a:rPr lang="en-US" sz="2800" b="1" dirty="0" smtClean="0"/>
+              <a:t>1 /  1 = 1	 </a:t>
+            </a:r>
           </a:p>
         </p:txBody>
       </p:sp>
